--- a/Utbildningsmaterial/Steg 2 - Produktion/Utbildning Blankettproduktion Produktion.pptx
+++ b/Utbildningsmaterial/Steg 2 - Produktion/Utbildning Blankettproduktion Produktion.pptx
@@ -246,7 +246,7 @@
             <a:fld id="{3E49C2C0-97DA-499D-9E25-C813C9F39A10}" type="datetimeFigureOut">
               <a:rPr lang="nb-NO" smtClean="0"/>
               <a:pPr/>
-              <a:t>14.10.2015</a:t>
+              <a:t>19.09.2016</a:t>
             </a:fld>
             <a:endParaRPr lang="nb-NO"/>
           </a:p>
@@ -310,35 +310,35 @@
           <a:p>
             <a:pPr lvl="0"/>
             <a:r>
-              <a:rPr lang="en-US" smtClean="0"/>
+              <a:rPr lang="en-US"/>
               <a:t>Click to edit Master text styles</a:t>
             </a:r>
           </a:p>
           <a:p>
             <a:pPr lvl="1"/>
             <a:r>
-              <a:rPr lang="en-US" smtClean="0"/>
+              <a:rPr lang="en-US"/>
               <a:t>Second level</a:t>
             </a:r>
           </a:p>
           <a:p>
             <a:pPr lvl="2"/>
             <a:r>
-              <a:rPr lang="en-US" smtClean="0"/>
+              <a:rPr lang="en-US"/>
               <a:t>Third level</a:t>
             </a:r>
           </a:p>
           <a:p>
             <a:pPr lvl="3"/>
             <a:r>
-              <a:rPr lang="en-US" smtClean="0"/>
+              <a:rPr lang="en-US"/>
               <a:t>Fourth level</a:t>
             </a:r>
           </a:p>
           <a:p>
             <a:pPr lvl="4"/>
             <a:r>
-              <a:rPr lang="en-US" smtClean="0"/>
+              <a:rPr lang="en-US"/>
               <a:t>Fifth level</a:t>
             </a:r>
             <a:endParaRPr lang="nb-NO"/>
@@ -548,7 +548,7 @@
           <a:lstStyle/>
           <a:p>
             <a:r>
-              <a:rPr lang="en-US" smtClean="0"/>
+              <a:rPr lang="en-US"/>
               <a:t>Click to edit Master title style</a:t>
             </a:r>
             <a:endParaRPr lang="nb-NO" dirty="0"/>
@@ -572,35 +572,35 @@
           <a:p>
             <a:pPr lvl="0"/>
             <a:r>
-              <a:rPr lang="en-US" smtClean="0"/>
+              <a:rPr lang="en-US"/>
               <a:t>Click to edit Master text styles</a:t>
             </a:r>
           </a:p>
           <a:p>
             <a:pPr lvl="1"/>
             <a:r>
-              <a:rPr lang="en-US" smtClean="0"/>
+              <a:rPr lang="en-US"/>
               <a:t>Second level</a:t>
             </a:r>
           </a:p>
           <a:p>
             <a:pPr lvl="2"/>
             <a:r>
-              <a:rPr lang="en-US" smtClean="0"/>
+              <a:rPr lang="en-US"/>
               <a:t>Third level</a:t>
             </a:r>
           </a:p>
           <a:p>
             <a:pPr lvl="3"/>
             <a:r>
-              <a:rPr lang="en-US" smtClean="0"/>
+              <a:rPr lang="en-US"/>
               <a:t>Fourth level</a:t>
             </a:r>
           </a:p>
           <a:p>
             <a:pPr lvl="4"/>
             <a:r>
-              <a:rPr lang="en-US" smtClean="0"/>
+              <a:rPr lang="en-US"/>
               <a:t>Fifth level</a:t>
             </a:r>
             <a:endParaRPr lang="nb-NO" dirty="0"/>
@@ -641,10 +641,9 @@
           <a:p>
             <a:pPr lvl="0"/>
             <a:r>
-              <a:rPr lang="en-US" noProof="0" dirty="0" smtClean="0"/>
+              <a:rPr lang="en-US" noProof="0" dirty="0"/>
               <a:t>Small title</a:t>
             </a:r>
-            <a:endParaRPr lang="en-US" noProof="0" dirty="0"/>
           </a:p>
         </p:txBody>
       </p:sp>
@@ -734,13 +733,6 @@
   <p:clrMapOvr>
     <a:masterClrMapping/>
   </p:clrMapOvr>
-  <p:timing>
-    <p:tnLst>
-      <p:par>
-        <p:cTn id="1" dur="indefinite" restart="never" nodeType="tmRoot"/>
-      </p:par>
-    </p:tnLst>
-  </p:timing>
 </p:sldLayout>
 </file>
 
@@ -864,10 +856,9 @@
           <a:p>
             <a:pPr lvl="0"/>
             <a:r>
-              <a:rPr lang="en-US" noProof="0" smtClean="0"/>
+              <a:rPr lang="en-US" noProof="0"/>
               <a:t>Insert content</a:t>
             </a:r>
-            <a:endParaRPr lang="en-US" noProof="0"/>
           </a:p>
         </p:txBody>
       </p:sp>
@@ -907,10 +898,9 @@
           <a:p>
             <a:pPr lvl="0"/>
             <a:r>
-              <a:rPr lang="en-US" noProof="0" smtClean="0"/>
+              <a:rPr lang="en-US" noProof="0"/>
               <a:t> </a:t>
             </a:r>
-            <a:endParaRPr lang="en-US" noProof="0"/>
           </a:p>
         </p:txBody>
       </p:sp>
@@ -924,13 +914,6 @@
   <p:clrMapOvr>
     <a:masterClrMapping/>
   </p:clrMapOvr>
-  <p:timing>
-    <p:tnLst>
-      <p:par>
-        <p:cTn id="1" dur="indefinite" restart="never" nodeType="tmRoot"/>
-      </p:par>
-    </p:tnLst>
-  </p:timing>
 </p:sldLayout>
 </file>
 
@@ -1054,10 +1037,9 @@
           <a:p>
             <a:pPr lvl="0"/>
             <a:r>
-              <a:rPr lang="en-US" noProof="0" smtClean="0"/>
+              <a:rPr lang="en-US" noProof="0"/>
               <a:t>Insert content</a:t>
             </a:r>
-            <a:endParaRPr lang="en-US" noProof="0"/>
           </a:p>
         </p:txBody>
       </p:sp>
@@ -1097,10 +1079,9 @@
           <a:p>
             <a:pPr lvl="0"/>
             <a:r>
-              <a:rPr lang="en-US" noProof="0" smtClean="0"/>
+              <a:rPr lang="en-US" noProof="0"/>
               <a:t> </a:t>
             </a:r>
-            <a:endParaRPr lang="en-US" noProof="0"/>
           </a:p>
         </p:txBody>
       </p:sp>
@@ -1114,13 +1095,6 @@
   <p:clrMapOvr>
     <a:masterClrMapping/>
   </p:clrMapOvr>
-  <p:timing>
-    <p:tnLst>
-      <p:par>
-        <p:cTn id="1" dur="indefinite" restart="never" nodeType="tmRoot"/>
-      </p:par>
-    </p:tnLst>
-  </p:timing>
 </p:sldLayout>
 </file>
 
@@ -1162,7 +1136,7 @@
           <a:lstStyle/>
           <a:p>
             <a:r>
-              <a:rPr lang="en-US" dirty="0" smtClean="0"/>
+              <a:rPr lang="en-US" dirty="0"/>
               <a:t>Click to edit Master title style</a:t>
             </a:r>
             <a:endParaRPr lang="nb-NO" dirty="0"/>
@@ -1203,10 +1177,9 @@
           <a:p>
             <a:pPr lvl="0"/>
             <a:r>
-              <a:rPr lang="en-US" noProof="0" dirty="0" smtClean="0"/>
+              <a:rPr lang="en-US" noProof="0" dirty="0"/>
               <a:t>Small title</a:t>
             </a:r>
-            <a:endParaRPr lang="en-US" noProof="0" dirty="0"/>
           </a:p>
         </p:txBody>
       </p:sp>
@@ -1236,10 +1209,9 @@
           </a:lstStyle>
           <a:p>
             <a:r>
-              <a:rPr lang="en-US" noProof="0" dirty="0" smtClean="0"/>
+              <a:rPr lang="en-US" noProof="0" dirty="0"/>
               <a:t>Insert picture</a:t>
             </a:r>
-            <a:endParaRPr lang="en-US" noProof="0" dirty="0"/>
           </a:p>
         </p:txBody>
       </p:sp>
@@ -1269,10 +1241,9 @@
           </a:lstStyle>
           <a:p>
             <a:r>
-              <a:rPr lang="en-US" noProof="0" dirty="0" smtClean="0"/>
+              <a:rPr lang="en-US" noProof="0" dirty="0"/>
               <a:t>Insert picture</a:t>
             </a:r>
-            <a:endParaRPr lang="en-US" noProof="0" dirty="0"/>
           </a:p>
         </p:txBody>
       </p:sp>
@@ -1302,10 +1273,9 @@
           </a:lstStyle>
           <a:p>
             <a:r>
-              <a:rPr lang="en-US" noProof="0" dirty="0" smtClean="0"/>
+              <a:rPr lang="en-US" noProof="0" dirty="0"/>
               <a:t>Insert picture</a:t>
             </a:r>
-            <a:endParaRPr lang="en-US" noProof="0" dirty="0"/>
           </a:p>
         </p:txBody>
       </p:sp>
@@ -1335,10 +1305,9 @@
           </a:lstStyle>
           <a:p>
             <a:r>
-              <a:rPr lang="en-US" noProof="0" dirty="0" smtClean="0"/>
+              <a:rPr lang="en-US" noProof="0" dirty="0"/>
               <a:t>Insert picture</a:t>
             </a:r>
-            <a:endParaRPr lang="en-US" noProof="0" dirty="0"/>
           </a:p>
         </p:txBody>
       </p:sp>
@@ -1368,10 +1337,9 @@
           </a:lstStyle>
           <a:p>
             <a:r>
-              <a:rPr lang="en-US" noProof="0" dirty="0" smtClean="0"/>
+              <a:rPr lang="en-US" noProof="0" dirty="0"/>
               <a:t>Insert picture</a:t>
             </a:r>
-            <a:endParaRPr lang="en-US" noProof="0" dirty="0"/>
           </a:p>
         </p:txBody>
       </p:sp>
@@ -1461,13 +1429,6 @@
   <p:clrMapOvr>
     <a:masterClrMapping/>
   </p:clrMapOvr>
-  <p:timing>
-    <p:tnLst>
-      <p:par>
-        <p:cTn id="1" dur="indefinite" restart="never" nodeType="tmRoot"/>
-      </p:par>
-    </p:tnLst>
-  </p:timing>
 </p:sldLayout>
 </file>
 
@@ -1585,7 +1546,7 @@
           <a:lstStyle/>
           <a:p>
             <a:r>
-              <a:rPr lang="en-US" dirty="0" smtClean="0"/>
+              <a:rPr lang="en-US" dirty="0"/>
               <a:t>Click to edit Master title style</a:t>
             </a:r>
             <a:endParaRPr lang="nb-NO" dirty="0"/>
@@ -1626,10 +1587,9 @@
           <a:p>
             <a:pPr lvl="0"/>
             <a:r>
-              <a:rPr lang="en-US" noProof="0" dirty="0" smtClean="0"/>
+              <a:rPr lang="en-US" noProof="0" dirty="0"/>
               <a:t>Small title</a:t>
             </a:r>
-            <a:endParaRPr lang="en-US" noProof="0" dirty="0"/>
           </a:p>
         </p:txBody>
       </p:sp>
@@ -1643,13 +1603,6 @@
   <p:clrMapOvr>
     <a:masterClrMapping/>
   </p:clrMapOvr>
-  <p:timing>
-    <p:tnLst>
-      <p:par>
-        <p:cTn id="1" dur="indefinite" restart="never" nodeType="tmRoot"/>
-      </p:par>
-    </p:tnLst>
-  </p:timing>
 </p:sldLayout>
 </file>
 
@@ -1756,13 +1709,6 @@
   <p:clrMapOvr>
     <a:masterClrMapping/>
   </p:clrMapOvr>
-  <p:timing>
-    <p:tnLst>
-      <p:par>
-        <p:cTn id="1" dur="indefinite" restart="never" nodeType="tmRoot"/>
-      </p:par>
-    </p:tnLst>
-  </p:timing>
 </p:sldLayout>
 </file>
 
@@ -1880,7 +1826,7 @@
           </a:lstStyle>
           <a:p>
             <a:r>
-              <a:rPr lang="en-US" dirty="0" smtClean="0"/>
+              <a:rPr lang="en-US" dirty="0"/>
               <a:t>Click to edit Master title style</a:t>
             </a:r>
             <a:endParaRPr lang="nb-NO" dirty="0"/>
@@ -2000,7 +1946,7 @@
           </a:lstStyle>
           <a:p>
             <a:r>
-              <a:rPr lang="en-US" dirty="0" smtClean="0"/>
+              <a:rPr lang="en-US" dirty="0"/>
               <a:t>Click to edit Master subtitle style</a:t>
             </a:r>
             <a:endParaRPr lang="nb-NO" dirty="0"/>
@@ -2096,7 +2042,7 @@
           <a:lstStyle/>
           <a:p>
             <a:pPr algn="ctr"/>
-            <a:endParaRPr lang="nb-NO" dirty="0" err="1" smtClean="0">
+            <a:endParaRPr lang="nb-NO" dirty="0" err="1">
               <a:solidFill>
                 <a:schemeClr val="accent5"/>
               </a:solidFill>
@@ -2185,13 +2131,6 @@
   <p:clrMapOvr>
     <a:masterClrMapping/>
   </p:clrMapOvr>
-  <p:timing>
-    <p:tnLst>
-      <p:par>
-        <p:cTn id="1" dur="indefinite" restart="never" nodeType="tmRoot"/>
-      </p:par>
-    </p:tnLst>
-  </p:timing>
 </p:sldLayout>
 </file>
 
@@ -2390,7 +2329,7 @@
           </a:lstStyle>
           <a:p>
             <a:r>
-              <a:rPr lang="en-US" dirty="0" smtClean="0"/>
+              <a:rPr lang="en-US" dirty="0"/>
               <a:t>Click to edit Master subtitle style</a:t>
             </a:r>
             <a:endParaRPr lang="nb-NO" dirty="0"/>
@@ -2464,7 +2403,7 @@
           </a:lstStyle>
           <a:p>
             <a:r>
-              <a:rPr lang="en-US" dirty="0" smtClean="0"/>
+              <a:rPr lang="en-US" dirty="0"/>
               <a:t>Click to edit Master title style</a:t>
             </a:r>
             <a:endParaRPr lang="nb-NO" dirty="0"/>
@@ -2525,7 +2464,7 @@
           <a:lstStyle/>
           <a:p>
             <a:pPr algn="ctr"/>
-            <a:endParaRPr lang="nb-NO" dirty="0" err="1" smtClean="0">
+            <a:endParaRPr lang="nb-NO" dirty="0" err="1">
               <a:solidFill>
                 <a:schemeClr val="accent5"/>
               </a:solidFill>
@@ -2614,13 +2553,6 @@
   <p:clrMapOvr>
     <a:masterClrMapping/>
   </p:clrMapOvr>
-  <p:timing>
-    <p:tnLst>
-      <p:par>
-        <p:cTn id="1" dur="indefinite" restart="never" nodeType="tmRoot"/>
-      </p:par>
-    </p:tnLst>
-  </p:timing>
 </p:sldLayout>
 </file>
 
@@ -2819,7 +2751,7 @@
           </a:lstStyle>
           <a:p>
             <a:r>
-              <a:rPr lang="en-US" dirty="0" smtClean="0"/>
+              <a:rPr lang="en-US" dirty="0"/>
               <a:t>Click to edit Master subtitle style</a:t>
             </a:r>
             <a:endParaRPr lang="nb-NO" dirty="0"/>
@@ -2893,7 +2825,7 @@
           </a:lstStyle>
           <a:p>
             <a:r>
-              <a:rPr lang="en-US" dirty="0" smtClean="0"/>
+              <a:rPr lang="en-US" dirty="0"/>
               <a:t>Click to edit Master title style</a:t>
             </a:r>
             <a:endParaRPr lang="nb-NO" dirty="0"/>
@@ -2954,7 +2886,7 @@
           <a:lstStyle/>
           <a:p>
             <a:pPr algn="ctr"/>
-            <a:endParaRPr lang="nb-NO" dirty="0" err="1" smtClean="0">
+            <a:endParaRPr lang="nb-NO" dirty="0" err="1">
               <a:solidFill>
                 <a:schemeClr val="accent5"/>
               </a:solidFill>
@@ -3043,13 +2975,6 @@
   <p:clrMapOvr>
     <a:masterClrMapping/>
   </p:clrMapOvr>
-  <p:timing>
-    <p:tnLst>
-      <p:par>
-        <p:cTn id="1" dur="indefinite" restart="never" nodeType="tmRoot"/>
-      </p:par>
-    </p:tnLst>
-  </p:timing>
 </p:sldLayout>
 </file>
 
@@ -3248,7 +3173,7 @@
           </a:lstStyle>
           <a:p>
             <a:r>
-              <a:rPr lang="en-US" dirty="0" smtClean="0"/>
+              <a:rPr lang="en-US" dirty="0"/>
               <a:t>Click to edit Master subtitle style</a:t>
             </a:r>
             <a:endParaRPr lang="nb-NO" dirty="0"/>
@@ -3322,7 +3247,7 @@
           </a:lstStyle>
           <a:p>
             <a:r>
-              <a:rPr lang="en-US" dirty="0" smtClean="0"/>
+              <a:rPr lang="en-US" dirty="0"/>
               <a:t>Click to edit Master title style</a:t>
             </a:r>
             <a:endParaRPr lang="nb-NO" dirty="0"/>
@@ -3383,7 +3308,7 @@
           <a:lstStyle/>
           <a:p>
             <a:pPr algn="ctr"/>
-            <a:endParaRPr lang="nb-NO" dirty="0" err="1" smtClean="0">
+            <a:endParaRPr lang="nb-NO" dirty="0" err="1">
               <a:solidFill>
                 <a:schemeClr val="accent5"/>
               </a:solidFill>
@@ -3472,13 +3397,6 @@
   <p:clrMapOvr>
     <a:masterClrMapping/>
   </p:clrMapOvr>
-  <p:timing>
-    <p:tnLst>
-      <p:par>
-        <p:cTn id="1" dur="indefinite" restart="never" nodeType="tmRoot"/>
-      </p:par>
-    </p:tnLst>
-  </p:timing>
 </p:sldLayout>
 </file>
 
@@ -3520,7 +3438,7 @@
           <a:lstStyle/>
           <a:p>
             <a:r>
-              <a:rPr lang="en-US" dirty="0" smtClean="0"/>
+              <a:rPr lang="en-US" dirty="0"/>
               <a:t>Click to edit Master title style</a:t>
             </a:r>
             <a:endParaRPr lang="nb-NO" dirty="0"/>
@@ -3644,38 +3562,37 @@
           <a:p>
             <a:pPr lvl="0"/>
             <a:r>
-              <a:rPr lang="en-US" dirty="0" smtClean="0"/>
+              <a:rPr lang="en-US" dirty="0"/>
               <a:t>Click to edit Master text styles</a:t>
             </a:r>
           </a:p>
           <a:p>
             <a:pPr lvl="1"/>
             <a:r>
-              <a:rPr lang="en-US" dirty="0" smtClean="0"/>
+              <a:rPr lang="en-US" dirty="0"/>
               <a:t>Second level</a:t>
             </a:r>
           </a:p>
           <a:p>
             <a:pPr lvl="2"/>
             <a:r>
-              <a:rPr lang="en-US" dirty="0" smtClean="0"/>
+              <a:rPr lang="en-US" dirty="0"/>
               <a:t>Third level</a:t>
             </a:r>
           </a:p>
           <a:p>
             <a:pPr lvl="3"/>
             <a:r>
-              <a:rPr lang="en-US" dirty="0" smtClean="0"/>
+              <a:rPr lang="en-US" dirty="0"/>
               <a:t>Fourth level</a:t>
             </a:r>
           </a:p>
           <a:p>
             <a:pPr lvl="4"/>
             <a:r>
-              <a:rPr lang="en-US" dirty="0" smtClean="0"/>
+              <a:rPr lang="en-US" dirty="0"/>
               <a:t>Fifth level</a:t>
             </a:r>
-            <a:endParaRPr lang="en-US" dirty="0"/>
           </a:p>
         </p:txBody>
       </p:sp>
@@ -3689,13 +3606,6 @@
   <p:clrMapOvr>
     <a:masterClrMapping/>
   </p:clrMapOvr>
-  <p:timing>
-    <p:tnLst>
-      <p:par>
-        <p:cTn id="1" dur="indefinite" restart="never" nodeType="tmRoot"/>
-      </p:par>
-    </p:tnLst>
-  </p:timing>
 </p:sldLayout>
 </file>
 
@@ -3738,35 +3648,35 @@
           <a:p>
             <a:pPr lvl="0"/>
             <a:r>
-              <a:rPr lang="en-US" smtClean="0"/>
+              <a:rPr lang="en-US"/>
               <a:t>Click to edit Master text styles</a:t>
             </a:r>
           </a:p>
           <a:p>
             <a:pPr lvl="1"/>
             <a:r>
-              <a:rPr lang="en-US" smtClean="0"/>
+              <a:rPr lang="en-US"/>
               <a:t>Second level</a:t>
             </a:r>
           </a:p>
           <a:p>
             <a:pPr lvl="2"/>
             <a:r>
-              <a:rPr lang="en-US" smtClean="0"/>
+              <a:rPr lang="en-US"/>
               <a:t>Third level</a:t>
             </a:r>
           </a:p>
           <a:p>
             <a:pPr lvl="3"/>
             <a:r>
-              <a:rPr lang="en-US" smtClean="0"/>
+              <a:rPr lang="en-US"/>
               <a:t>Fourth level</a:t>
             </a:r>
           </a:p>
           <a:p>
             <a:pPr lvl="4"/>
             <a:r>
-              <a:rPr lang="en-US" smtClean="0"/>
+              <a:rPr lang="en-US"/>
               <a:t>Fifth level</a:t>
             </a:r>
             <a:endParaRPr lang="nb-NO" dirty="0"/>
@@ -3795,35 +3705,35 @@
           <a:p>
             <a:pPr lvl="0"/>
             <a:r>
-              <a:rPr lang="en-US" smtClean="0"/>
+              <a:rPr lang="en-US"/>
               <a:t>Click to edit Master text styles</a:t>
             </a:r>
           </a:p>
           <a:p>
             <a:pPr lvl="1"/>
             <a:r>
-              <a:rPr lang="en-US" smtClean="0"/>
+              <a:rPr lang="en-US"/>
               <a:t>Second level</a:t>
             </a:r>
           </a:p>
           <a:p>
             <a:pPr lvl="2"/>
             <a:r>
-              <a:rPr lang="en-US" smtClean="0"/>
+              <a:rPr lang="en-US"/>
               <a:t>Third level</a:t>
             </a:r>
           </a:p>
           <a:p>
             <a:pPr lvl="3"/>
             <a:r>
-              <a:rPr lang="en-US" smtClean="0"/>
+              <a:rPr lang="en-US"/>
               <a:t>Fourth level</a:t>
             </a:r>
           </a:p>
           <a:p>
             <a:pPr lvl="4"/>
             <a:r>
-              <a:rPr lang="en-US" smtClean="0"/>
+              <a:rPr lang="en-US"/>
               <a:t>Fifth level</a:t>
             </a:r>
             <a:endParaRPr lang="nb-NO" dirty="0"/>
@@ -3927,7 +3837,7 @@
           <a:lstStyle/>
           <a:p>
             <a:r>
-              <a:rPr lang="en-US" smtClean="0"/>
+              <a:rPr lang="en-US"/>
               <a:t>Click to edit Master title style</a:t>
             </a:r>
             <a:endParaRPr lang="nb-NO" dirty="0"/>
@@ -3968,10 +3878,9 @@
           <a:p>
             <a:pPr lvl="0"/>
             <a:r>
-              <a:rPr lang="en-US" noProof="0" dirty="0" smtClean="0"/>
+              <a:rPr lang="en-US" noProof="0" dirty="0"/>
               <a:t>Small title</a:t>
             </a:r>
-            <a:endParaRPr lang="en-US" noProof="0" dirty="0"/>
           </a:p>
         </p:txBody>
       </p:sp>
@@ -3985,13 +3894,6 @@
   <p:clrMapOvr>
     <a:masterClrMapping/>
   </p:clrMapOvr>
-  <p:timing>
-    <p:tnLst>
-      <p:par>
-        <p:cTn id="1" dur="indefinite" restart="never" nodeType="tmRoot"/>
-      </p:par>
-    </p:tnLst>
-  </p:timing>
 </p:sldLayout>
 </file>
 
@@ -4033,7 +3935,7 @@
           <a:lstStyle/>
           <a:p>
             <a:r>
-              <a:rPr lang="en-US" dirty="0" smtClean="0"/>
+              <a:rPr lang="en-US" dirty="0"/>
               <a:t>Click to edit Master title style</a:t>
             </a:r>
             <a:endParaRPr lang="nb-NO" dirty="0"/>
@@ -4157,38 +4059,37 @@
           <a:p>
             <a:pPr lvl="0"/>
             <a:r>
-              <a:rPr lang="en-US" dirty="0" smtClean="0"/>
+              <a:rPr lang="en-US" dirty="0"/>
               <a:t>Click to edit Master text styles</a:t>
             </a:r>
           </a:p>
           <a:p>
             <a:pPr lvl="1"/>
             <a:r>
-              <a:rPr lang="en-US" dirty="0" smtClean="0"/>
+              <a:rPr lang="en-US" dirty="0"/>
               <a:t>Second level</a:t>
             </a:r>
           </a:p>
           <a:p>
             <a:pPr lvl="2"/>
             <a:r>
-              <a:rPr lang="en-US" dirty="0" smtClean="0"/>
+              <a:rPr lang="en-US" dirty="0"/>
               <a:t>Third level</a:t>
             </a:r>
           </a:p>
           <a:p>
             <a:pPr lvl="3"/>
             <a:r>
-              <a:rPr lang="en-US" dirty="0" smtClean="0"/>
+              <a:rPr lang="en-US" dirty="0"/>
               <a:t>Fourth level</a:t>
             </a:r>
           </a:p>
           <a:p>
             <a:pPr lvl="4"/>
             <a:r>
-              <a:rPr lang="en-US" dirty="0" smtClean="0"/>
+              <a:rPr lang="en-US" dirty="0"/>
               <a:t>Fifth level</a:t>
             </a:r>
-            <a:endParaRPr lang="en-US" dirty="0"/>
           </a:p>
         </p:txBody>
       </p:sp>
@@ -4233,38 +4134,37 @@
           <a:p>
             <a:pPr lvl="0"/>
             <a:r>
-              <a:rPr lang="en-US" dirty="0" smtClean="0"/>
+              <a:rPr lang="en-US" dirty="0"/>
               <a:t>Click to edit Master text styles</a:t>
             </a:r>
           </a:p>
           <a:p>
             <a:pPr lvl="1"/>
             <a:r>
-              <a:rPr lang="en-US" dirty="0" smtClean="0"/>
+              <a:rPr lang="en-US" dirty="0"/>
               <a:t>Second level</a:t>
             </a:r>
           </a:p>
           <a:p>
             <a:pPr lvl="2"/>
             <a:r>
-              <a:rPr lang="en-US" dirty="0" smtClean="0"/>
+              <a:rPr lang="en-US" dirty="0"/>
               <a:t>Third level</a:t>
             </a:r>
           </a:p>
           <a:p>
             <a:pPr lvl="3"/>
             <a:r>
-              <a:rPr lang="en-US" dirty="0" smtClean="0"/>
+              <a:rPr lang="en-US" dirty="0"/>
               <a:t>Fourth level</a:t>
             </a:r>
           </a:p>
           <a:p>
             <a:pPr lvl="4"/>
             <a:r>
-              <a:rPr lang="en-US" dirty="0" smtClean="0"/>
+              <a:rPr lang="en-US" dirty="0"/>
               <a:t>Fifth level</a:t>
             </a:r>
-            <a:endParaRPr lang="en-US" dirty="0"/>
           </a:p>
         </p:txBody>
       </p:sp>
@@ -4278,13 +4178,6 @@
   <p:clrMapOvr>
     <a:masterClrMapping/>
   </p:clrMapOvr>
-  <p:timing>
-    <p:tnLst>
-      <p:par>
-        <p:cTn id="1" dur="indefinite" restart="never" nodeType="tmRoot"/>
-      </p:par>
-    </p:tnLst>
-  </p:timing>
 </p:sldLayout>
 </file>
 
@@ -4326,7 +4219,7 @@
           <a:lstStyle/>
           <a:p>
             <a:r>
-              <a:rPr lang="en-US" dirty="0" smtClean="0"/>
+              <a:rPr lang="en-US" dirty="0"/>
               <a:t>Click to edit Master title style</a:t>
             </a:r>
             <a:endParaRPr lang="nb-NO" dirty="0"/>
@@ -4450,38 +4343,37 @@
           <a:p>
             <a:pPr lvl="0"/>
             <a:r>
-              <a:rPr lang="en-US" dirty="0" smtClean="0"/>
+              <a:rPr lang="en-US" dirty="0"/>
               <a:t>Click to edit Master text styles</a:t>
             </a:r>
           </a:p>
           <a:p>
             <a:pPr lvl="1"/>
             <a:r>
-              <a:rPr lang="en-US" dirty="0" smtClean="0"/>
+              <a:rPr lang="en-US" dirty="0"/>
               <a:t>Second level</a:t>
             </a:r>
           </a:p>
           <a:p>
             <a:pPr lvl="2"/>
             <a:r>
-              <a:rPr lang="en-US" dirty="0" smtClean="0"/>
+              <a:rPr lang="en-US" dirty="0"/>
               <a:t>Third level</a:t>
             </a:r>
           </a:p>
           <a:p>
             <a:pPr lvl="3"/>
             <a:r>
-              <a:rPr lang="en-US" dirty="0" smtClean="0"/>
+              <a:rPr lang="en-US" dirty="0"/>
               <a:t>Fourth level</a:t>
             </a:r>
           </a:p>
           <a:p>
             <a:pPr lvl="4"/>
             <a:r>
-              <a:rPr lang="en-US" dirty="0" smtClean="0"/>
+              <a:rPr lang="en-US" dirty="0"/>
               <a:t>Fifth level</a:t>
             </a:r>
-            <a:endParaRPr lang="en-US" dirty="0"/>
           </a:p>
         </p:txBody>
       </p:sp>
@@ -4512,10 +4404,9 @@
           <a:p>
             <a:pPr lvl="0"/>
             <a:r>
-              <a:rPr lang="en-US" dirty="0" smtClean="0"/>
+              <a:rPr lang="en-US" dirty="0"/>
               <a:t>Insert content</a:t>
             </a:r>
-            <a:endParaRPr lang="en-US" dirty="0"/>
           </a:p>
         </p:txBody>
       </p:sp>
@@ -4529,13 +4420,6 @@
   <p:clrMapOvr>
     <a:masterClrMapping/>
   </p:clrMapOvr>
-  <p:timing>
-    <p:tnLst>
-      <p:par>
-        <p:cTn id="1" dur="indefinite" restart="never" nodeType="tmRoot"/>
-      </p:par>
-    </p:tnLst>
-  </p:timing>
 </p:sldLayout>
 </file>
 
@@ -4652,7 +4536,7 @@
           </a:lstStyle>
           <a:p>
             <a:r>
-              <a:rPr lang="en-US" dirty="0" smtClean="0"/>
+              <a:rPr lang="en-US" dirty="0"/>
               <a:t>Click to edit Master title style</a:t>
             </a:r>
             <a:endParaRPr lang="nb-NO" dirty="0"/>
@@ -4772,7 +4656,7 @@
           </a:lstStyle>
           <a:p>
             <a:r>
-              <a:rPr lang="en-US" dirty="0" smtClean="0"/>
+              <a:rPr lang="en-US" dirty="0"/>
               <a:t>Click to edit Master subtitle style</a:t>
             </a:r>
             <a:endParaRPr lang="nb-NO" dirty="0"/>
@@ -4868,7 +4752,7 @@
           <a:lstStyle/>
           <a:p>
             <a:pPr algn="ctr"/>
-            <a:endParaRPr lang="nb-NO" dirty="0" err="1" smtClean="0">
+            <a:endParaRPr lang="nb-NO" dirty="0" err="1">
               <a:solidFill>
                 <a:schemeClr val="accent5"/>
               </a:solidFill>
@@ -4949,10 +4833,9 @@
           <a:p>
             <a:pPr lvl="0"/>
             <a:r>
-              <a:rPr lang="en-US" dirty="0" smtClean="0"/>
+              <a:rPr lang="en-US" dirty="0"/>
               <a:t>Click to add date</a:t>
             </a:r>
-            <a:endParaRPr lang="en-US" dirty="0"/>
           </a:p>
         </p:txBody>
       </p:sp>
@@ -4996,13 +4879,6 @@
   <p:clrMapOvr>
     <a:masterClrMapping/>
   </p:clrMapOvr>
-  <p:timing>
-    <p:tnLst>
-      <p:par>
-        <p:cTn id="1" dur="indefinite" restart="never" nodeType="tmRoot"/>
-      </p:par>
-    </p:tnLst>
-  </p:timing>
   <p:hf hdr="0"/>
 </p:sldLayout>
 </file>
@@ -5116,7 +4992,7 @@
           <a:lstStyle/>
           <a:p>
             <a:pPr algn="ctr"/>
-            <a:endParaRPr lang="nb-NO" dirty="0" err="1" smtClean="0">
+            <a:endParaRPr lang="nb-NO" dirty="0" err="1">
               <a:solidFill>
                 <a:schemeClr val="accent5"/>
               </a:solidFill>
@@ -5270,13 +5146,6 @@
   <p:clrMapOvr>
     <a:masterClrMapping/>
   </p:clrMapOvr>
-  <p:timing>
-    <p:tnLst>
-      <p:par>
-        <p:cTn id="1" dur="indefinite" restart="never" nodeType="tmRoot"/>
-      </p:par>
-    </p:tnLst>
-  </p:timing>
 </p:sldLayout>
 </file>
 
@@ -5319,35 +5188,35 @@
           <a:p>
             <a:pPr lvl="0"/>
             <a:r>
-              <a:rPr lang="en-US" smtClean="0"/>
+              <a:rPr lang="en-US"/>
               <a:t>Click to edit Master text styles</a:t>
             </a:r>
           </a:p>
           <a:p>
             <a:pPr lvl="1"/>
             <a:r>
-              <a:rPr lang="en-US" smtClean="0"/>
+              <a:rPr lang="en-US"/>
               <a:t>Second level</a:t>
             </a:r>
           </a:p>
           <a:p>
             <a:pPr lvl="2"/>
             <a:r>
-              <a:rPr lang="en-US" smtClean="0"/>
+              <a:rPr lang="en-US"/>
               <a:t>Third level</a:t>
             </a:r>
           </a:p>
           <a:p>
             <a:pPr lvl="3"/>
             <a:r>
-              <a:rPr lang="en-US" smtClean="0"/>
+              <a:rPr lang="en-US"/>
               <a:t>Fourth level</a:t>
             </a:r>
           </a:p>
           <a:p>
             <a:pPr lvl="4"/>
             <a:r>
-              <a:rPr lang="en-US" smtClean="0"/>
+              <a:rPr lang="en-US"/>
               <a:t>Fifth level</a:t>
             </a:r>
             <a:endParaRPr lang="nb-NO" dirty="0"/>
@@ -5381,10 +5250,9 @@
           <a:p>
             <a:pPr lvl="0"/>
             <a:r>
-              <a:rPr lang="en-US" noProof="0" dirty="0" smtClean="0"/>
+              <a:rPr lang="en-US" noProof="0" dirty="0"/>
               <a:t>Insert content</a:t>
             </a:r>
-            <a:endParaRPr lang="en-US" noProof="0" dirty="0"/>
           </a:p>
         </p:txBody>
       </p:sp>
@@ -5485,7 +5353,7 @@
           <a:lstStyle/>
           <a:p>
             <a:r>
-              <a:rPr lang="en-US" smtClean="0"/>
+              <a:rPr lang="en-US"/>
               <a:t>Click to edit Master title style</a:t>
             </a:r>
             <a:endParaRPr lang="nb-NO" dirty="0"/>
@@ -5526,10 +5394,9 @@
           <a:p>
             <a:pPr lvl="0"/>
             <a:r>
-              <a:rPr lang="en-US" noProof="0" dirty="0" smtClean="0"/>
+              <a:rPr lang="en-US" noProof="0" dirty="0"/>
               <a:t>Small title</a:t>
             </a:r>
-            <a:endParaRPr lang="en-US" noProof="0" dirty="0"/>
           </a:p>
         </p:txBody>
       </p:sp>
@@ -5543,13 +5410,6 @@
   <p:clrMapOvr>
     <a:masterClrMapping/>
   </p:clrMapOvr>
-  <p:timing>
-    <p:tnLst>
-      <p:par>
-        <p:cTn id="1" dur="indefinite" restart="never" nodeType="tmRoot"/>
-      </p:par>
-    </p:tnLst>
-  </p:timing>
 </p:sldLayout>
 </file>
 
@@ -5592,35 +5452,35 @@
           <a:p>
             <a:pPr lvl="0"/>
             <a:r>
-              <a:rPr lang="en-US" smtClean="0"/>
+              <a:rPr lang="en-US"/>
               <a:t>Click to edit Master text styles</a:t>
             </a:r>
           </a:p>
           <a:p>
             <a:pPr lvl="1"/>
             <a:r>
-              <a:rPr lang="en-US" smtClean="0"/>
+              <a:rPr lang="en-US"/>
               <a:t>Second level</a:t>
             </a:r>
           </a:p>
           <a:p>
             <a:pPr lvl="2"/>
             <a:r>
-              <a:rPr lang="en-US" smtClean="0"/>
+              <a:rPr lang="en-US"/>
               <a:t>Third level</a:t>
             </a:r>
           </a:p>
           <a:p>
             <a:pPr lvl="3"/>
             <a:r>
-              <a:rPr lang="en-US" smtClean="0"/>
+              <a:rPr lang="en-US"/>
               <a:t>Fourth level</a:t>
             </a:r>
           </a:p>
           <a:p>
             <a:pPr lvl="4"/>
             <a:r>
-              <a:rPr lang="en-US" smtClean="0"/>
+              <a:rPr lang="en-US"/>
               <a:t>Fifth level</a:t>
             </a:r>
             <a:endParaRPr lang="nb-NO" dirty="0"/>
@@ -5654,15 +5514,15 @@
           <a:p>
             <a:pPr lvl="0"/>
             <a:r>
-              <a:rPr lang="nb-NO" dirty="0" err="1" smtClean="0"/>
+              <a:rPr lang="nb-NO" dirty="0" err="1"/>
               <a:t>Insert</a:t>
             </a:r>
             <a:r>
-              <a:rPr lang="nb-NO" dirty="0" smtClean="0"/>
+              <a:rPr lang="nb-NO" dirty="0"/>
               <a:t> </a:t>
             </a:r>
             <a:r>
-              <a:rPr lang="nb-NO" dirty="0" err="1" smtClean="0"/>
+              <a:rPr lang="nb-NO" dirty="0" err="1"/>
               <a:t>content</a:t>
             </a:r>
             <a:endParaRPr lang="nb-NO" dirty="0"/>
@@ -5766,7 +5626,7 @@
           <a:lstStyle/>
           <a:p>
             <a:r>
-              <a:rPr lang="en-US" smtClean="0"/>
+              <a:rPr lang="en-US"/>
               <a:t>Click to edit Master title style</a:t>
             </a:r>
             <a:endParaRPr lang="nb-NO" dirty="0"/>
@@ -5807,10 +5667,9 @@
           <a:p>
             <a:pPr lvl="0"/>
             <a:r>
-              <a:rPr lang="en-US" noProof="0" dirty="0" smtClean="0"/>
+              <a:rPr lang="en-US" noProof="0" dirty="0"/>
               <a:t>Small title</a:t>
             </a:r>
-            <a:endParaRPr lang="en-US" noProof="0" dirty="0"/>
           </a:p>
         </p:txBody>
       </p:sp>
@@ -5824,13 +5683,6 @@
   <p:clrMapOvr>
     <a:masterClrMapping/>
   </p:clrMapOvr>
-  <p:timing>
-    <p:tnLst>
-      <p:par>
-        <p:cTn id="1" dur="indefinite" restart="never" nodeType="tmRoot"/>
-      </p:par>
-    </p:tnLst>
-  </p:timing>
 </p:sldLayout>
 </file>
 
@@ -5873,35 +5725,35 @@
           <a:p>
             <a:pPr lvl="0"/>
             <a:r>
-              <a:rPr lang="en-US" smtClean="0"/>
+              <a:rPr lang="en-US"/>
               <a:t>Click to edit Master text styles</a:t>
             </a:r>
           </a:p>
           <a:p>
             <a:pPr lvl="1"/>
             <a:r>
-              <a:rPr lang="en-US" smtClean="0"/>
+              <a:rPr lang="en-US"/>
               <a:t>Second level</a:t>
             </a:r>
           </a:p>
           <a:p>
             <a:pPr lvl="2"/>
             <a:r>
-              <a:rPr lang="en-US" smtClean="0"/>
+              <a:rPr lang="en-US"/>
               <a:t>Third level</a:t>
             </a:r>
           </a:p>
           <a:p>
             <a:pPr lvl="3"/>
             <a:r>
-              <a:rPr lang="en-US" smtClean="0"/>
+              <a:rPr lang="en-US"/>
               <a:t>Fourth level</a:t>
             </a:r>
           </a:p>
           <a:p>
             <a:pPr lvl="4"/>
             <a:r>
-              <a:rPr lang="en-US" smtClean="0"/>
+              <a:rPr lang="en-US"/>
               <a:t>Fifth level</a:t>
             </a:r>
             <a:endParaRPr lang="nb-NO" dirty="0"/>
@@ -5935,10 +5787,9 @@
           <a:p>
             <a:pPr lvl="0"/>
             <a:r>
-              <a:rPr lang="en-US" noProof="0" dirty="0" smtClean="0"/>
+              <a:rPr lang="en-US" noProof="0" dirty="0"/>
               <a:t>Insert content</a:t>
             </a:r>
-            <a:endParaRPr lang="en-US" noProof="0" dirty="0"/>
           </a:p>
         </p:txBody>
       </p:sp>
@@ -5969,10 +5820,9 @@
           <a:p>
             <a:pPr lvl="0"/>
             <a:r>
-              <a:rPr lang="en-US" noProof="0" dirty="0" smtClean="0"/>
+              <a:rPr lang="en-US" noProof="0" dirty="0"/>
               <a:t>Insert content</a:t>
             </a:r>
-            <a:endParaRPr lang="en-US" noProof="0" dirty="0"/>
           </a:p>
         </p:txBody>
       </p:sp>
@@ -6073,7 +5923,7 @@
           <a:lstStyle/>
           <a:p>
             <a:r>
-              <a:rPr lang="en-US" smtClean="0"/>
+              <a:rPr lang="en-US"/>
               <a:t>Click to edit Master title style</a:t>
             </a:r>
             <a:endParaRPr lang="nb-NO" dirty="0"/>
@@ -6114,10 +5964,9 @@
           <a:p>
             <a:pPr lvl="0"/>
             <a:r>
-              <a:rPr lang="en-US" noProof="0" dirty="0" smtClean="0"/>
+              <a:rPr lang="en-US" noProof="0" dirty="0"/>
               <a:t>Small title</a:t>
             </a:r>
-            <a:endParaRPr lang="en-US" noProof="0" dirty="0"/>
           </a:p>
         </p:txBody>
       </p:sp>
@@ -6131,13 +5980,6 @@
   <p:clrMapOvr>
     <a:masterClrMapping/>
   </p:clrMapOvr>
-  <p:timing>
-    <p:tnLst>
-      <p:par>
-        <p:cTn id="1" dur="indefinite" restart="never" nodeType="tmRoot"/>
-      </p:par>
-    </p:tnLst>
-  </p:timing>
 </p:sldLayout>
 </file>
 
@@ -6183,7 +6025,7 @@
           </a:lstStyle>
           <a:p>
             <a:r>
-              <a:rPr lang="en-US" smtClean="0"/>
+              <a:rPr lang="en-US"/>
               <a:t>Click to edit Master title style</a:t>
             </a:r>
             <a:endParaRPr lang="nb-NO" dirty="0"/>
@@ -6219,7 +6061,7 @@
           <a:p>
             <a:pPr lvl="0"/>
             <a:r>
-              <a:rPr lang="en-US" smtClean="0"/>
+              <a:rPr lang="en-US"/>
               <a:t>Click to edit Master text styles</a:t>
             </a:r>
           </a:p>
@@ -6311,13 +6153,6 @@
   <p:clrMapOvr>
     <a:masterClrMapping/>
   </p:clrMapOvr>
-  <p:timing>
-    <p:tnLst>
-      <p:par>
-        <p:cTn id="1" dur="indefinite" restart="never" nodeType="tmRoot"/>
-      </p:par>
-    </p:tnLst>
-  </p:timing>
 </p:sldLayout>
 </file>
 
@@ -6436,7 +6271,7 @@
           <a:p>
             <a:pPr lvl="0"/>
             <a:r>
-              <a:rPr lang="en-US" smtClean="0"/>
+              <a:rPr lang="en-US"/>
               <a:t>Click to edit Master text styles</a:t>
             </a:r>
           </a:p>
@@ -6471,7 +6306,7 @@
           </a:lstStyle>
           <a:p>
             <a:r>
-              <a:rPr lang="en-US" smtClean="0"/>
+              <a:rPr lang="en-US"/>
               <a:t>Click to edit Master title style</a:t>
             </a:r>
             <a:endParaRPr lang="nb-NO" dirty="0"/>
@@ -6532,7 +6367,7 @@
           <a:lstStyle/>
           <a:p>
             <a:pPr algn="ctr"/>
-            <a:endParaRPr lang="nb-NO" dirty="0" err="1" smtClean="0">
+            <a:endParaRPr lang="nb-NO" dirty="0" err="1">
               <a:solidFill>
                 <a:schemeClr val="accent5"/>
               </a:solidFill>
@@ -6656,13 +6491,6 @@
   <p:clrMapOvr>
     <a:masterClrMapping/>
   </p:clrMapOvr>
-  <p:timing>
-    <p:tnLst>
-      <p:par>
-        <p:cTn id="1" dur="indefinite" restart="never" nodeType="tmRoot"/>
-      </p:par>
-    </p:tnLst>
-  </p:timing>
 </p:sldLayout>
 </file>
 
@@ -6720,7 +6548,7 @@
           </a:lstStyle>
           <a:p>
             <a:r>
-              <a:rPr lang="en-US" smtClean="0"/>
+              <a:rPr lang="en-US"/>
               <a:t>Click to edit Master title style</a:t>
             </a:r>
             <a:endParaRPr lang="nb-NO" dirty="0"/>
@@ -6760,7 +6588,7 @@
           <a:p>
             <a:pPr lvl="0"/>
             <a:r>
-              <a:rPr lang="en-US" smtClean="0"/>
+              <a:rPr lang="en-US"/>
               <a:t>Click to edit Master text styles</a:t>
             </a:r>
           </a:p>
@@ -6855,7 +6683,7 @@
           <a:lstStyle/>
           <a:p>
             <a:pPr algn="ctr"/>
-            <a:endParaRPr lang="nb-NO" dirty="0" err="1" smtClean="0">
+            <a:endParaRPr lang="nb-NO" dirty="0" err="1">
               <a:solidFill>
                 <a:schemeClr val="accent5"/>
               </a:solidFill>
@@ -6979,13 +6807,6 @@
   <p:clrMapOvr>
     <a:masterClrMapping/>
   </p:clrMapOvr>
-  <p:timing>
-    <p:tnLst>
-      <p:par>
-        <p:cTn id="1" dur="indefinite" restart="never" nodeType="tmRoot"/>
-      </p:par>
-    </p:tnLst>
-  </p:timing>
 </p:sldLayout>
 </file>
 
@@ -7033,10 +6854,9 @@
           <a:p>
             <a:pPr lvl="0"/>
             <a:r>
-              <a:rPr lang="en-US" noProof="0" smtClean="0"/>
+              <a:rPr lang="en-US" noProof="0"/>
               <a:t>Insert content</a:t>
             </a:r>
-            <a:endParaRPr lang="en-US" noProof="0"/>
           </a:p>
         </p:txBody>
       </p:sp>
@@ -7067,10 +6887,9 @@
           <a:p>
             <a:pPr lvl="0"/>
             <a:r>
-              <a:rPr lang="en-US" noProof="0" smtClean="0"/>
+              <a:rPr lang="en-US" noProof="0"/>
               <a:t>Insert content</a:t>
             </a:r>
-            <a:endParaRPr lang="en-US" noProof="0"/>
           </a:p>
         </p:txBody>
       </p:sp>
@@ -7101,10 +6920,9 @@
           <a:p>
             <a:pPr lvl="0"/>
             <a:r>
-              <a:rPr lang="en-US" noProof="0" smtClean="0"/>
+              <a:rPr lang="en-US" noProof="0"/>
               <a:t>Insert content</a:t>
             </a:r>
-            <a:endParaRPr lang="en-US" noProof="0"/>
           </a:p>
         </p:txBody>
       </p:sp>
@@ -7205,7 +7023,7 @@
           <a:lstStyle/>
           <a:p>
             <a:r>
-              <a:rPr lang="en-US" dirty="0" smtClean="0"/>
+              <a:rPr lang="en-US" dirty="0"/>
               <a:t>Click to edit Master title style</a:t>
             </a:r>
             <a:endParaRPr lang="nb-NO" dirty="0"/>
@@ -7246,10 +7064,9 @@
           <a:p>
             <a:pPr lvl="0"/>
             <a:r>
-              <a:rPr lang="en-US" noProof="0" dirty="0" smtClean="0"/>
+              <a:rPr lang="en-US" noProof="0" dirty="0"/>
               <a:t>Small title</a:t>
             </a:r>
-            <a:endParaRPr lang="en-US" noProof="0" dirty="0"/>
           </a:p>
         </p:txBody>
       </p:sp>
@@ -7263,13 +7080,6 @@
   <p:clrMapOvr>
     <a:masterClrMapping/>
   </p:clrMapOvr>
-  <p:timing>
-    <p:tnLst>
-      <p:par>
-        <p:cTn id="1" dur="indefinite" restart="never" nodeType="tmRoot"/>
-      </p:par>
-    </p:tnLst>
-  </p:timing>
 </p:sldLayout>
 </file>
 
@@ -7324,7 +7134,7 @@
           <a:lstStyle/>
           <a:p>
             <a:r>
-              <a:rPr lang="en-US" noProof="0" smtClean="0"/>
+              <a:rPr lang="en-US" noProof="0"/>
               <a:t>Click to edit Master title style</a:t>
             </a:r>
             <a:endParaRPr lang="en-US" noProof="0" dirty="0"/>
@@ -7358,35 +7168,35 @@
           <a:p>
             <a:pPr lvl="0"/>
             <a:r>
-              <a:rPr lang="en-US" noProof="0" smtClean="0"/>
+              <a:rPr lang="en-US" noProof="0"/>
               <a:t>Click to edit Master text styles</a:t>
             </a:r>
           </a:p>
           <a:p>
             <a:pPr lvl="1"/>
             <a:r>
-              <a:rPr lang="en-US" noProof="0" smtClean="0"/>
+              <a:rPr lang="en-US" noProof="0"/>
               <a:t>Second level</a:t>
             </a:r>
           </a:p>
           <a:p>
             <a:pPr lvl="2"/>
             <a:r>
-              <a:rPr lang="en-US" noProof="0" smtClean="0"/>
+              <a:rPr lang="en-US" noProof="0"/>
               <a:t>Third level</a:t>
             </a:r>
           </a:p>
           <a:p>
             <a:pPr lvl="3"/>
             <a:r>
-              <a:rPr lang="en-US" noProof="0" smtClean="0"/>
+              <a:rPr lang="en-US" noProof="0"/>
               <a:t>Fourth level</a:t>
             </a:r>
           </a:p>
           <a:p>
             <a:pPr lvl="4"/>
             <a:r>
-              <a:rPr lang="en-US" noProof="0" smtClean="0"/>
+              <a:rPr lang="en-US" noProof="0"/>
               <a:t>Fifth level</a:t>
             </a:r>
             <a:endParaRPr lang="en-US" noProof="0" dirty="0"/>
@@ -7558,7 +7368,7 @@
           <a:lstStyle/>
           <a:p>
             <a:pPr algn="ctr"/>
-            <a:endParaRPr lang="nb-NO" dirty="0" err="1" smtClean="0">
+            <a:endParaRPr lang="nb-NO" dirty="0" err="1">
               <a:solidFill>
                 <a:schemeClr val="accent5"/>
               </a:solidFill>
@@ -7614,13 +7424,6 @@
     <p:sldLayoutId id="2147483665" r:id="rId7"/>
     <p:sldLayoutId id="2147483777" r:id="rId8"/>
   </p:sldLayoutIdLst>
-  <p:timing>
-    <p:tnLst>
-      <p:par>
-        <p:cTn id="1" dur="indefinite" restart="never" nodeType="tmRoot"/>
-      </p:par>
-    </p:tnLst>
-  </p:timing>
   <p:hf hdr="0" dt="0"/>
   <p:txStyles>
     <p:titleStyle>
@@ -7948,10 +7751,9 @@
           <a:lstStyle/>
           <a:p>
             <a:r>
-              <a:rPr lang="en-US" noProof="0" dirty="0" smtClean="0"/>
+              <a:rPr lang="en-US" noProof="0" dirty="0"/>
               <a:t>Click to edit Master title style</a:t>
             </a:r>
-            <a:endParaRPr lang="en-US" noProof="0" dirty="0"/>
           </a:p>
         </p:txBody>
       </p:sp>
@@ -7982,38 +7784,37 @@
           <a:p>
             <a:pPr lvl="0"/>
             <a:r>
-              <a:rPr lang="en-US" noProof="0" dirty="0" smtClean="0"/>
+              <a:rPr lang="en-US" noProof="0" dirty="0"/>
               <a:t>Click to edit Master text styles</a:t>
             </a:r>
           </a:p>
           <a:p>
             <a:pPr lvl="1"/>
             <a:r>
-              <a:rPr lang="en-US" noProof="0" dirty="0" smtClean="0"/>
+              <a:rPr lang="en-US" noProof="0" dirty="0"/>
               <a:t>Second level</a:t>
             </a:r>
           </a:p>
           <a:p>
             <a:pPr lvl="2"/>
             <a:r>
-              <a:rPr lang="en-US" noProof="0" dirty="0" smtClean="0"/>
+              <a:rPr lang="en-US" noProof="0" dirty="0"/>
               <a:t>Third level</a:t>
             </a:r>
           </a:p>
           <a:p>
             <a:pPr lvl="3"/>
             <a:r>
-              <a:rPr lang="en-US" noProof="0" dirty="0" smtClean="0"/>
+              <a:rPr lang="en-US" noProof="0" dirty="0"/>
               <a:t>Fourth level</a:t>
             </a:r>
           </a:p>
           <a:p>
             <a:pPr lvl="4"/>
             <a:r>
-              <a:rPr lang="en-US" noProof="0" dirty="0" smtClean="0"/>
+              <a:rPr lang="en-US" noProof="0" dirty="0"/>
               <a:t>Fifth level</a:t>
             </a:r>
-            <a:endParaRPr lang="en-US" noProof="0" dirty="0"/>
           </a:p>
         </p:txBody>
       </p:sp>
@@ -8071,7 +7872,7 @@
           <a:lstStyle/>
           <a:p>
             <a:pPr algn="ctr"/>
-            <a:endParaRPr lang="nb-NO" dirty="0" err="1" smtClean="0">
+            <a:endParaRPr lang="nb-NO" dirty="0" err="1">
               <a:solidFill>
                 <a:schemeClr val="accent5"/>
               </a:solidFill>
@@ -8236,13 +8037,6 @@
     <p:sldLayoutId id="2147483784" r:id="rId5"/>
     <p:sldLayoutId id="2147483785" r:id="rId6"/>
   </p:sldLayoutIdLst>
-  <p:timing>
-    <p:tnLst>
-      <p:par>
-        <p:cTn id="1" dur="indefinite" restart="never" nodeType="tmRoot"/>
-      </p:par>
-    </p:tnLst>
-  </p:timing>
   <p:hf hdr="0" dt="0"/>
   <p:txStyles>
     <p:titleStyle>
@@ -8570,10 +8364,9 @@
           <a:lstStyle/>
           <a:p>
             <a:r>
-              <a:rPr lang="en-US" noProof="0" dirty="0" smtClean="0"/>
+              <a:rPr lang="en-US" noProof="0" dirty="0"/>
               <a:t>Click to edit Master title style</a:t>
             </a:r>
-            <a:endParaRPr lang="en-US" noProof="0" dirty="0"/>
           </a:p>
         </p:txBody>
       </p:sp>
@@ -8604,38 +8397,37 @@
           <a:p>
             <a:pPr lvl="0"/>
             <a:r>
-              <a:rPr lang="en-US" noProof="0" dirty="0" smtClean="0"/>
+              <a:rPr lang="en-US" noProof="0" dirty="0"/>
               <a:t>Click to edit Master text styles</a:t>
             </a:r>
           </a:p>
           <a:p>
             <a:pPr lvl="1"/>
             <a:r>
-              <a:rPr lang="en-US" noProof="0" dirty="0" smtClean="0"/>
+              <a:rPr lang="en-US" noProof="0" dirty="0"/>
               <a:t>Second level</a:t>
             </a:r>
           </a:p>
           <a:p>
             <a:pPr lvl="2"/>
             <a:r>
-              <a:rPr lang="en-US" noProof="0" dirty="0" smtClean="0"/>
+              <a:rPr lang="en-US" noProof="0" dirty="0"/>
               <a:t>Third level</a:t>
             </a:r>
           </a:p>
           <a:p>
             <a:pPr lvl="3"/>
             <a:r>
-              <a:rPr lang="en-US" noProof="0" dirty="0" smtClean="0"/>
+              <a:rPr lang="en-US" noProof="0" dirty="0"/>
               <a:t>Fourth level</a:t>
             </a:r>
           </a:p>
           <a:p>
             <a:pPr lvl="4"/>
             <a:r>
-              <a:rPr lang="en-US" noProof="0" dirty="0" smtClean="0"/>
+              <a:rPr lang="en-US" noProof="0" dirty="0"/>
               <a:t>Fifth level</a:t>
             </a:r>
-            <a:endParaRPr lang="en-US" noProof="0" dirty="0"/>
           </a:p>
         </p:txBody>
       </p:sp>
@@ -8693,7 +8485,7 @@
           <a:lstStyle/>
           <a:p>
             <a:pPr algn="ctr"/>
-            <a:endParaRPr lang="nb-NO" dirty="0" err="1" smtClean="0">
+            <a:endParaRPr lang="nb-NO" dirty="0" err="1">
               <a:solidFill>
                 <a:schemeClr val="accent5"/>
               </a:solidFill>
@@ -8856,13 +8648,6 @@
     <p:sldLayoutId id="2147483811" r:id="rId3"/>
     <p:sldLayoutId id="2147483812" r:id="rId4"/>
   </p:sldLayoutIdLst>
-  <p:timing>
-    <p:tnLst>
-      <p:par>
-        <p:cTn id="1" dur="indefinite" restart="never" nodeType="tmRoot"/>
-      </p:par>
-    </p:tnLst>
-  </p:timing>
   <p:hf hdr="0" dt="0"/>
   <p:txStyles>
     <p:titleStyle>
@@ -9184,10 +8969,9 @@
           <a:lstStyle/>
           <a:p>
             <a:r>
-              <a:rPr lang="en-US" noProof="0" dirty="0" smtClean="0"/>
+              <a:rPr lang="en-US" noProof="0" dirty="0"/>
               <a:t>Click to edit Master title style</a:t>
             </a:r>
-            <a:endParaRPr lang="en-US" noProof="0" dirty="0"/>
           </a:p>
         </p:txBody>
       </p:sp>
@@ -9218,38 +9002,37 @@
           <a:p>
             <a:pPr lvl="0"/>
             <a:r>
-              <a:rPr lang="en-US" noProof="0" dirty="0" smtClean="0"/>
+              <a:rPr lang="en-US" noProof="0" dirty="0"/>
               <a:t>Click to edit Master text styles</a:t>
             </a:r>
           </a:p>
           <a:p>
             <a:pPr lvl="1"/>
             <a:r>
-              <a:rPr lang="en-US" noProof="0" dirty="0" smtClean="0"/>
+              <a:rPr lang="en-US" noProof="0" dirty="0"/>
               <a:t>Second level</a:t>
             </a:r>
           </a:p>
           <a:p>
             <a:pPr lvl="2"/>
             <a:r>
-              <a:rPr lang="en-US" noProof="0" dirty="0" smtClean="0"/>
+              <a:rPr lang="en-US" noProof="0" dirty="0"/>
               <a:t>Third level</a:t>
             </a:r>
           </a:p>
           <a:p>
             <a:pPr lvl="3"/>
             <a:r>
-              <a:rPr lang="en-US" noProof="0" dirty="0" smtClean="0"/>
+              <a:rPr lang="en-US" noProof="0" dirty="0"/>
               <a:t>Fourth level</a:t>
             </a:r>
           </a:p>
           <a:p>
             <a:pPr lvl="4"/>
             <a:r>
-              <a:rPr lang="en-US" noProof="0" dirty="0" smtClean="0"/>
+              <a:rPr lang="en-US" noProof="0" dirty="0"/>
               <a:t>Fifth level</a:t>
             </a:r>
-            <a:endParaRPr lang="en-US" noProof="0" dirty="0"/>
           </a:p>
         </p:txBody>
       </p:sp>
@@ -9418,7 +9201,7 @@
           <a:lstStyle/>
           <a:p>
             <a:pPr algn="ctr"/>
-            <a:endParaRPr lang="nb-NO" dirty="0" err="1" smtClean="0">
+            <a:endParaRPr lang="nb-NO" dirty="0" err="1">
               <a:solidFill>
                 <a:schemeClr val="accent5"/>
               </a:solidFill>
@@ -9469,13 +9252,6 @@
     <p:sldLayoutId id="2147483816" r:id="rId2"/>
     <p:sldLayoutId id="2147483817" r:id="rId3"/>
   </p:sldLayoutIdLst>
-  <p:timing>
-    <p:tnLst>
-      <p:par>
-        <p:cTn id="1" dur="indefinite" restart="never" nodeType="tmRoot"/>
-      </p:par>
-    </p:tnLst>
-  </p:timing>
   <p:hf hdr="0" dt="0"/>
   <p:txStyles>
     <p:titleStyle>
@@ -9803,10 +9579,9 @@
           <a:lstStyle/>
           <a:p>
             <a:r>
-              <a:rPr lang="en-US" noProof="0" dirty="0" smtClean="0"/>
+              <a:rPr lang="en-US" noProof="0" dirty="0"/>
               <a:t>Click to edit Master title style</a:t>
             </a:r>
-            <a:endParaRPr lang="en-US" noProof="0" dirty="0"/>
           </a:p>
         </p:txBody>
       </p:sp>
@@ -9837,38 +9612,37 @@
           <a:p>
             <a:pPr lvl="0"/>
             <a:r>
-              <a:rPr lang="en-US" noProof="0" dirty="0" smtClean="0"/>
+              <a:rPr lang="en-US" noProof="0" dirty="0"/>
               <a:t>Click to edit Master text styles</a:t>
             </a:r>
           </a:p>
           <a:p>
             <a:pPr lvl="1"/>
             <a:r>
-              <a:rPr lang="en-US" noProof="0" dirty="0" smtClean="0"/>
+              <a:rPr lang="en-US" noProof="0" dirty="0"/>
               <a:t>Second level</a:t>
             </a:r>
           </a:p>
           <a:p>
             <a:pPr lvl="2"/>
             <a:r>
-              <a:rPr lang="en-US" noProof="0" dirty="0" smtClean="0"/>
+              <a:rPr lang="en-US" noProof="0" dirty="0"/>
               <a:t>Third level</a:t>
             </a:r>
           </a:p>
           <a:p>
             <a:pPr lvl="3"/>
             <a:r>
-              <a:rPr lang="en-US" noProof="0" dirty="0" smtClean="0"/>
+              <a:rPr lang="en-US" noProof="0" dirty="0"/>
               <a:t>Fourth level</a:t>
             </a:r>
           </a:p>
           <a:p>
             <a:pPr lvl="4"/>
             <a:r>
-              <a:rPr lang="en-US" noProof="0" dirty="0" smtClean="0"/>
+              <a:rPr lang="en-US" noProof="0" dirty="0"/>
               <a:t>Fifth level</a:t>
             </a:r>
-            <a:endParaRPr lang="en-US" noProof="0" dirty="0"/>
           </a:p>
         </p:txBody>
       </p:sp>
@@ -9926,7 +9700,7 @@
           <a:lstStyle/>
           <a:p>
             <a:pPr algn="ctr"/>
-            <a:endParaRPr lang="nb-NO" dirty="0" err="1" smtClean="0">
+            <a:endParaRPr lang="nb-NO" dirty="0" err="1">
               <a:solidFill>
                 <a:schemeClr val="accent5"/>
               </a:solidFill>
@@ -10087,13 +9861,6 @@
     <p:sldLayoutId id="2147483807" r:id="rId1"/>
     <p:sldLayoutId id="2147483808" r:id="rId2"/>
   </p:sldLayoutIdLst>
-  <p:timing>
-    <p:tnLst>
-      <p:par>
-        <p:cTn id="1" dur="indefinite" restart="never" nodeType="tmRoot"/>
-      </p:par>
-    </p:tnLst>
-  </p:timing>
   <p:hf hdr="0" dt="0"/>
   <p:txStyles>
     <p:titleStyle>
@@ -10397,63 +10164,57 @@
           <a:lstStyle/>
           <a:p>
             <a:r>
-              <a:rPr lang="nb-NO" dirty="0" smtClean="0"/>
+              <a:rPr lang="nb-NO" dirty="0"/>
               <a:t>Ubtildning i</a:t>
-            </a:r>
-            <a:r>
-              <a:rPr lang="nb-NO" dirty="0"/>
-              <a:t/>
             </a:r>
             <a:br>
               <a:rPr lang="nb-NO" dirty="0"/>
             </a:br>
             <a:r>
-              <a:rPr lang="nb-NO" dirty="0" smtClean="0"/>
+              <a:rPr lang="nb-NO" dirty="0"/>
               <a:t>Blankettproduktion</a:t>
             </a:r>
+          </a:p>
+        </p:txBody>
+      </p:sp>
+      <p:sp>
+        <p:nvSpPr>
+          <p:cNvPr id="9" name="Subtitle 8"/>
+          <p:cNvSpPr>
+            <a:spLocks noGrp="1"/>
+          </p:cNvSpPr>
+          <p:nvPr>
+            <p:ph type="subTitle" idx="1"/>
+          </p:nvPr>
+        </p:nvSpPr>
+        <p:spPr/>
+        <p:txBody>
+          <a:bodyPr/>
+          <a:lstStyle/>
+          <a:p>
+            <a:r>
+              <a:rPr lang="nb-NO" dirty="0"/>
+              <a:t>Steg 2 – Produktion av blanketter</a:t>
+            </a:r>
+          </a:p>
+        </p:txBody>
+      </p:sp>
+      <p:sp>
+        <p:nvSpPr>
+          <p:cNvPr id="10" name="Text Placeholder 9"/>
+          <p:cNvSpPr>
+            <a:spLocks noGrp="1"/>
+          </p:cNvSpPr>
+          <p:nvPr>
+            <p:ph type="body" sz="quarter" idx="11"/>
+          </p:nvPr>
+        </p:nvSpPr>
+        <p:spPr/>
+        <p:txBody>
+          <a:bodyPr/>
+          <a:lstStyle/>
+          <a:p>
             <a:endParaRPr lang="nb-NO" dirty="0"/>
-          </a:p>
-        </p:txBody>
-      </p:sp>
-      <p:sp>
-        <p:nvSpPr>
-          <p:cNvPr id="9" name="Subtitle 8"/>
-          <p:cNvSpPr>
-            <a:spLocks noGrp="1"/>
-          </p:cNvSpPr>
-          <p:nvPr>
-            <p:ph type="subTitle" idx="1"/>
-          </p:nvPr>
-        </p:nvSpPr>
-        <p:spPr/>
-        <p:txBody>
-          <a:bodyPr/>
-          <a:lstStyle/>
-          <a:p>
-            <a:r>
-              <a:rPr lang="nb-NO" dirty="0" smtClean="0"/>
-              <a:t>Steg 2 – Produktion av blanketter</a:t>
-            </a:r>
-            <a:endParaRPr lang="nb-NO" dirty="0"/>
-          </a:p>
-        </p:txBody>
-      </p:sp>
-      <p:sp>
-        <p:nvSpPr>
-          <p:cNvPr id="10" name="Text Placeholder 9"/>
-          <p:cNvSpPr>
-            <a:spLocks noGrp="1"/>
-          </p:cNvSpPr>
-          <p:nvPr>
-            <p:ph type="body" sz="quarter" idx="11"/>
-          </p:nvPr>
-        </p:nvSpPr>
-        <p:spPr/>
-        <p:txBody>
-          <a:bodyPr/>
-          <a:lstStyle/>
-          <a:p>
-            <a:endParaRPr lang="nb-NO" dirty="0" smtClean="0"/>
           </a:p>
         </p:txBody>
       </p:sp>
@@ -10467,13 +10228,6 @@
   <p:clrMapOvr>
     <a:masterClrMapping/>
   </p:clrMapOvr>
-  <p:timing>
-    <p:tnLst>
-      <p:par>
-        <p:cTn id="1" dur="indefinite" restart="never" nodeType="tmRoot"/>
-      </p:par>
-    </p:tnLst>
-  </p:timing>
 </p:sld>
 </file>
 
@@ -10510,22 +10264,21 @@
           <a:lstStyle/>
           <a:p>
             <a:r>
-              <a:rPr lang="sv-SE" dirty="0" smtClean="0"/>
+              <a:rPr lang="sv-SE" dirty="0"/>
               <a:t>Digitalt format</a:t>
             </a:r>
           </a:p>
           <a:p>
             <a:r>
-              <a:rPr lang="sv-SE" dirty="0" smtClean="0"/>
+              <a:rPr lang="sv-SE" dirty="0"/>
               <a:t>Produktion av blankettlayout</a:t>
             </a:r>
           </a:p>
           <a:p>
             <a:r>
-              <a:rPr lang="sv-SE" dirty="0" smtClean="0"/>
+              <a:rPr lang="sv-SE" dirty="0"/>
               <a:t>Bilder – Vektor och raster</a:t>
             </a:r>
-            <a:endParaRPr lang="sv-SE" dirty="0"/>
           </a:p>
         </p:txBody>
       </p:sp>
@@ -10545,10 +10298,9 @@
           <a:lstStyle/>
           <a:p>
             <a:r>
-              <a:rPr lang="sv-SE" dirty="0" smtClean="0"/>
+              <a:rPr lang="sv-SE" dirty="0"/>
               <a:t>Layout</a:t>
             </a:r>
-            <a:endParaRPr lang="sv-SE" dirty="0"/>
           </a:p>
         </p:txBody>
       </p:sp>
@@ -10605,13 +10357,6 @@
   <p:clrMapOvr>
     <a:masterClrMapping/>
   </p:clrMapOvr>
-  <p:timing>
-    <p:tnLst>
-      <p:par>
-        <p:cTn id="1" dur="indefinite" restart="never" nodeType="tmRoot"/>
-      </p:par>
-    </p:tnLst>
-  </p:timing>
 </p:sld>
 </file>
 
@@ -10648,10 +10393,9 @@
           <a:lstStyle/>
           <a:p>
             <a:r>
-              <a:rPr lang="sv-SE" dirty="0" smtClean="0"/>
+              <a:rPr lang="sv-SE" dirty="0"/>
               <a:t>Skapa layout från digitalt original</a:t>
             </a:r>
-            <a:endParaRPr lang="sv-SE" dirty="0"/>
           </a:p>
         </p:txBody>
       </p:sp>
@@ -10671,64 +10415,55 @@
           <a:lstStyle/>
           <a:p>
             <a:r>
-              <a:rPr lang="sv-SE" dirty="0" smtClean="0"/>
+              <a:rPr lang="sv-SE" dirty="0"/>
               <a:t>Layout i vanliga blanketter baseras normalt på ett färdigt original.</a:t>
             </a:r>
           </a:p>
           <a:p>
             <a:r>
-              <a:rPr lang="sv-SE" dirty="0" smtClean="0"/>
+              <a:rPr lang="sv-SE" dirty="0"/>
               <a:t>Detta original måste vara ett digital format, t.ex. en PDF eller liknande.</a:t>
             </a:r>
           </a:p>
           <a:p>
             <a:r>
-              <a:rPr lang="sv-SE" dirty="0" smtClean="0"/>
+              <a:rPr lang="sv-SE" dirty="0"/>
               <a:t>Om inget original finns behöver ett normalt skapas.</a:t>
             </a:r>
           </a:p>
           <a:p>
             <a:r>
-              <a:rPr lang="sv-SE" dirty="0" smtClean="0"/>
+              <a:rPr lang="sv-SE" dirty="0"/>
               <a:t>Layout kan skapas i text- eller layoutprogram som t.ex. Word, Excel, </a:t>
             </a:r>
             <a:r>
-              <a:rPr lang="sv-SE" dirty="0" err="1" smtClean="0"/>
+              <a:rPr lang="sv-SE" dirty="0" err="1"/>
               <a:t>Illustrator</a:t>
             </a:r>
             <a:r>
-              <a:rPr lang="sv-SE" dirty="0" smtClean="0"/>
+              <a:rPr lang="sv-SE" dirty="0"/>
               <a:t>, Publisher, </a:t>
             </a:r>
             <a:r>
-              <a:rPr lang="sv-SE" dirty="0" err="1" smtClean="0"/>
+              <a:rPr lang="sv-SE" dirty="0" err="1"/>
               <a:t>InDesign</a:t>
             </a:r>
             <a:r>
               <a:rPr lang="sv-SE" dirty="0"/>
-              <a:t> </a:t>
-            </a:r>
-            <a:r>
-              <a:rPr lang="sv-SE" dirty="0" smtClean="0"/>
-              <a:t>m.fl.</a:t>
-            </a:r>
-          </a:p>
-          <a:p>
-            <a:r>
-              <a:rPr lang="sv-SE" dirty="0" smtClean="0"/>
-              <a:t>Originalet ska sedan konverteras till XPS</a:t>
-            </a:r>
-            <a:r>
-              <a:rPr lang="sv-SE" dirty="0" smtClean="0"/>
-              <a:t>.</a:t>
-            </a:r>
-          </a:p>
-          <a:p>
-            <a:r>
-              <a:rPr lang="sv-SE" dirty="0" smtClean="0"/>
+              <a:t> m.fl.</a:t>
+            </a:r>
+          </a:p>
+          <a:p>
+            <a:r>
+              <a:rPr lang="sv-SE" dirty="0"/>
+              <a:t>Originalet ska sedan konverteras till XPS.</a:t>
+            </a:r>
+          </a:p>
+          <a:p>
+            <a:r>
+              <a:rPr lang="sv-SE" dirty="0"/>
               <a:t>Konverteringen till XPS kan var lite knepig att få till perfekt, men blir oftast bäst om man har tillgång till originalet i sitt ursprungliga format.</a:t>
             </a:r>
-            <a:endParaRPr lang="sv-SE" dirty="0" smtClean="0"/>
           </a:p>
         </p:txBody>
       </p:sp>
@@ -10748,10 +10483,9 @@
           <a:lstStyle/>
           <a:p>
             <a:r>
-              <a:rPr lang="sv-SE" dirty="0" smtClean="0"/>
+              <a:rPr lang="sv-SE" dirty="0"/>
               <a:t>Layout - Original</a:t>
             </a:r>
-            <a:endParaRPr lang="sv-SE" dirty="0"/>
           </a:p>
         </p:txBody>
       </p:sp>
@@ -10808,13 +10542,6 @@
   <p:clrMapOvr>
     <a:masterClrMapping/>
   </p:clrMapOvr>
-  <p:timing>
-    <p:tnLst>
-      <p:par>
-        <p:cTn id="1" dur="indefinite" restart="never" nodeType="tmRoot"/>
-      </p:par>
-    </p:tnLst>
-  </p:timing>
 </p:sld>
 </file>
 
@@ -10851,10 +10578,9 @@
           <a:lstStyle/>
           <a:p>
             <a:r>
-              <a:rPr lang="sv-SE" dirty="0" smtClean="0"/>
+              <a:rPr lang="sv-SE" dirty="0"/>
               <a:t>Skapa layout från grunden i XAML</a:t>
             </a:r>
-            <a:endParaRPr lang="sv-SE" dirty="0"/>
           </a:p>
         </p:txBody>
       </p:sp>
@@ -10874,30 +10600,21 @@
           <a:lstStyle/>
           <a:p>
             <a:r>
-              <a:rPr lang="sv-SE" dirty="0" smtClean="0"/>
+              <a:rPr lang="sv-SE" dirty="0"/>
               <a:t>Används oftast för blanketter som inte har en fast layout, t.ex. Standardvårdplaner och andra dynamiska blanketter.</a:t>
             </a:r>
           </a:p>
           <a:p>
             <a:r>
-              <a:rPr lang="sv-SE" dirty="0" smtClean="0"/>
+              <a:rPr lang="sv-SE" dirty="0"/>
               <a:t>Denna layout skapas direkt i XAML-filen med olika inbyggda objekt som linjer, ramar, expanderbara behållare m.m.</a:t>
             </a:r>
           </a:p>
           <a:p>
             <a:r>
-              <a:rPr lang="sv-SE" dirty="0" smtClean="0"/>
-              <a:t>Att </a:t>
-            </a:r>
-            <a:r>
-              <a:rPr lang="sv-SE" dirty="0"/>
-              <a:t>skapa en layout från grunden ingår inte i steg 2 av </a:t>
-            </a:r>
-            <a:r>
-              <a:rPr lang="sv-SE" dirty="0" smtClean="0"/>
-              <a:t>utbildningen.</a:t>
-            </a:r>
-            <a:endParaRPr lang="sv-SE" dirty="0"/>
+              <a:rPr lang="sv-SE" dirty="0"/>
+              <a:t>Att skapa en layout från grunden ingår inte i steg 2 av utbildningen.</a:t>
+            </a:r>
           </a:p>
           <a:p>
             <a:pPr marL="0" indent="0">
@@ -10923,10 +10640,9 @@
           <a:lstStyle/>
           <a:p>
             <a:r>
-              <a:rPr lang="sv-SE" dirty="0" smtClean="0"/>
+              <a:rPr lang="sv-SE" dirty="0"/>
               <a:t>Layout</a:t>
             </a:r>
-            <a:endParaRPr lang="sv-SE" dirty="0"/>
           </a:p>
         </p:txBody>
       </p:sp>
@@ -10983,13 +10699,6 @@
   <p:clrMapOvr>
     <a:masterClrMapping/>
   </p:clrMapOvr>
-  <p:timing>
-    <p:tnLst>
-      <p:par>
-        <p:cTn id="1" dur="indefinite" restart="never" nodeType="tmRoot"/>
-      </p:par>
-    </p:tnLst>
-  </p:timing>
 </p:sld>
 </file>
 
@@ -11031,34 +10740,26 @@
           <a:lstStyle/>
           <a:p>
             <a:r>
-              <a:rPr lang="sv-SE" dirty="0" smtClean="0"/>
+              <a:rPr lang="sv-SE" dirty="0"/>
               <a:t>Alla bilder i blanketterna måste vara vektorbaserade.</a:t>
             </a:r>
           </a:p>
           <a:p>
             <a:r>
               <a:rPr lang="sv-SE" dirty="0"/>
-              <a:t>Även text och linjer m.m. i blanketterna är </a:t>
-            </a:r>
-            <a:r>
-              <a:rPr lang="sv-SE" dirty="0" smtClean="0"/>
-              <a:t>vektoriserade.</a:t>
-            </a:r>
-          </a:p>
-          <a:p>
-            <a:r>
-              <a:rPr lang="sv-SE" dirty="0" smtClean="0"/>
+              <a:t>Även text och linjer m.m. i blanketterna är vektoriserade.</a:t>
+            </a:r>
+          </a:p>
+          <a:p>
+            <a:r>
+              <a:rPr lang="sv-SE" dirty="0"/>
               <a:t>Vektorbaserade bilder består av linjer och ytor med vinklar och kurvor.</a:t>
             </a:r>
           </a:p>
           <a:p>
             <a:r>
               <a:rPr lang="sv-SE" dirty="0"/>
-              <a:t>Raster eller pixelbaserade bilder består av punkter med olika </a:t>
-            </a:r>
-            <a:r>
-              <a:rPr lang="sv-SE" dirty="0" smtClean="0"/>
-              <a:t>färg.</a:t>
+              <a:t>Raster eller pixelbaserade bilder består av punkter med olika färg.</a:t>
             </a:r>
           </a:p>
         </p:txBody>
@@ -11122,10 +10823,9 @@
           <a:lstStyle/>
           <a:p>
             <a:r>
-              <a:rPr lang="sv-SE" dirty="0" smtClean="0"/>
+              <a:rPr lang="sv-SE" dirty="0"/>
               <a:t>Vektor och raster</a:t>
             </a:r>
-            <a:endParaRPr lang="sv-SE" dirty="0"/>
           </a:p>
         </p:txBody>
       </p:sp>
@@ -11145,7 +10845,7 @@
           <a:lstStyle/>
           <a:p>
             <a:r>
-              <a:rPr lang="sv-SE" dirty="0" smtClean="0"/>
+              <a:rPr lang="sv-SE" dirty="0"/>
               <a:t>Layout - Ikoner och symboler</a:t>
             </a:r>
           </a:p>
@@ -11243,13 +10943,6 @@
   <p:clrMapOvr>
     <a:masterClrMapping/>
   </p:clrMapOvr>
-  <p:timing>
-    <p:tnLst>
-      <p:par>
-        <p:cTn id="1" dur="indefinite" restart="never" nodeType="tmRoot"/>
-      </p:par>
-    </p:tnLst>
-  </p:timing>
 </p:sld>
 </file>
 
@@ -11292,17 +10985,12 @@
           <a:p>
             <a:r>
               <a:rPr lang="sv-SE" dirty="0"/>
-              <a:t>Vektorbaserade bilder är nästan alltid skapade digital från </a:t>
-            </a:r>
-            <a:r>
-              <a:rPr lang="sv-SE" dirty="0" smtClean="0"/>
-              <a:t>början.</a:t>
-            </a:r>
-            <a:endParaRPr lang="sv-SE" dirty="0"/>
-          </a:p>
-          <a:p>
-            <a:r>
-              <a:rPr lang="sv-SE" dirty="0" smtClean="0"/>
+              <a:t>Vektorbaserade bilder är nästan alltid skapade digital från början.</a:t>
+            </a:r>
+          </a:p>
+          <a:p>
+            <a:r>
+              <a:rPr lang="sv-SE" dirty="0"/>
               <a:t>Det är svårt att konvertera en bild från raster till vektor.</a:t>
             </a:r>
           </a:p>
@@ -11395,10 +11083,9 @@
           <a:lstStyle/>
           <a:p>
             <a:r>
-              <a:rPr lang="sv-SE" dirty="0" smtClean="0"/>
+              <a:rPr lang="sv-SE" dirty="0"/>
               <a:t>Layout - Foto</a:t>
             </a:r>
-            <a:endParaRPr lang="sv-SE" dirty="0"/>
           </a:p>
         </p:txBody>
       </p:sp>
@@ -11453,13 +11140,6 @@
   <p:clrMapOvr>
     <a:masterClrMapping/>
   </p:clrMapOvr>
-  <p:timing>
-    <p:tnLst>
-      <p:par>
-        <p:cTn id="1" dur="indefinite" restart="never" nodeType="tmRoot"/>
-      </p:par>
-    </p:tnLst>
-  </p:timing>
 </p:sld>
 </file>
 
@@ -11497,11 +11177,7 @@
           <a:p>
             <a:r>
               <a:rPr lang="sv-SE" dirty="0"/>
-              <a:t>Solution Explorer – </a:t>
-            </a:r>
-            <a:r>
-              <a:rPr lang="sv-SE" dirty="0" smtClean="0"/>
-              <a:t>Blankettfiler</a:t>
+              <a:t>Solution Explorer – Blankettfiler</a:t>
             </a:r>
           </a:p>
           <a:p>
@@ -11512,21 +11188,21 @@
           </a:p>
           <a:p>
             <a:r>
-              <a:rPr lang="sv-SE" dirty="0" err="1" smtClean="0"/>
+              <a:rPr lang="sv-SE" dirty="0" err="1"/>
               <a:t>Toolbox</a:t>
             </a:r>
             <a:r>
-              <a:rPr lang="sv-SE" dirty="0" smtClean="0"/>
+              <a:rPr lang="sv-SE" dirty="0"/>
               <a:t> – Fältmallar</a:t>
             </a:r>
           </a:p>
           <a:p>
             <a:r>
-              <a:rPr lang="sv-SE" dirty="0" err="1" smtClean="0"/>
+              <a:rPr lang="sv-SE" dirty="0" err="1"/>
               <a:t>Error</a:t>
             </a:r>
             <a:r>
-              <a:rPr lang="sv-SE" dirty="0" smtClean="0"/>
+              <a:rPr lang="sv-SE" dirty="0"/>
               <a:t> List – XAML validering</a:t>
             </a:r>
           </a:p>
@@ -11548,10 +11224,9 @@
           <a:lstStyle/>
           <a:p>
             <a:r>
-              <a:rPr lang="sv-SE" dirty="0" smtClean="0"/>
+              <a:rPr lang="sv-SE" dirty="0"/>
               <a:t>Använda Visual Studio 2013</a:t>
             </a:r>
-            <a:endParaRPr lang="sv-SE" dirty="0"/>
           </a:p>
         </p:txBody>
       </p:sp>
@@ -11608,13 +11283,6 @@
   <p:clrMapOvr>
     <a:masterClrMapping/>
   </p:clrMapOvr>
-  <p:timing>
-    <p:tnLst>
-      <p:par>
-        <p:cTn id="1" dur="indefinite" restart="never" nodeType="tmRoot"/>
-      </p:par>
-    </p:tnLst>
-  </p:timing>
 </p:sld>
 </file>
 
@@ -11679,49 +11347,40 @@
           <a:p>
             <a:r>
               <a:rPr lang="sv-SE" dirty="0"/>
-              <a:t>Solution </a:t>
-            </a:r>
-            <a:r>
-              <a:rPr lang="sv-SE" dirty="0" smtClean="0"/>
-              <a:t>Explorer går att komma åt via VIEW &gt; Solution Explorer (</a:t>
-            </a:r>
-            <a:r>
-              <a:rPr lang="sv-SE" dirty="0" err="1" smtClean="0"/>
+              <a:t>Solution Explorer går att komma åt via VIEW &gt; Solution Explorer (</a:t>
+            </a:r>
+            <a:r>
+              <a:rPr lang="sv-SE" dirty="0" err="1"/>
               <a:t>Ctrl+Alt+L</a:t>
             </a:r>
             <a:r>
-              <a:rPr lang="sv-SE" dirty="0" smtClean="0"/>
+              <a:rPr lang="sv-SE" dirty="0"/>
               <a:t>).</a:t>
             </a:r>
           </a:p>
           <a:p>
             <a:r>
               <a:rPr lang="sv-SE" dirty="0"/>
-              <a:t>Solution </a:t>
-            </a:r>
-            <a:r>
-              <a:rPr lang="sv-SE" dirty="0" smtClean="0"/>
-              <a:t>Explorer visar alla filer som ingår i blankettprojektet.</a:t>
-            </a:r>
-          </a:p>
-          <a:p>
-            <a:r>
-              <a:rPr lang="sv-SE" dirty="0" smtClean="0"/>
+              <a:t>Solution Explorer visar alla filer som ingår i blankettprojektet.</a:t>
+            </a:r>
+          </a:p>
+          <a:p>
+            <a:r>
+              <a:rPr lang="sv-SE" dirty="0"/>
               <a:t>Filer bör hanteras i Solution Explorer istället för Windows Explorer, särskilt för Express versionen av Visual Studio.</a:t>
             </a:r>
           </a:p>
           <a:p>
             <a:r>
-              <a:rPr lang="sv-SE" dirty="0" smtClean="0"/>
+              <a:rPr lang="sv-SE" dirty="0"/>
               <a:t>En fil kan öppnas genom att leta fram den i mappstrukturen och dubbelklicka på den.</a:t>
             </a:r>
           </a:p>
           <a:p>
             <a:r>
-              <a:rPr lang="sv-SE" dirty="0" smtClean="0"/>
+              <a:rPr lang="sv-SE" dirty="0"/>
               <a:t>För XAML-filer kommer både koden i bakgrunden och en rendering av layouten att visas.</a:t>
             </a:r>
-            <a:endParaRPr lang="sv-SE" dirty="0"/>
           </a:p>
         </p:txBody>
       </p:sp>
@@ -11742,13 +11401,8 @@
           <a:p>
             <a:r>
               <a:rPr lang="sv-SE" dirty="0"/>
-              <a:t>Använda Visual Studio </a:t>
-            </a:r>
-            <a:r>
-              <a:rPr lang="sv-SE" dirty="0" smtClean="0"/>
-              <a:t>2013 – Solution Explorer</a:t>
-            </a:r>
-            <a:endParaRPr lang="sv-SE" dirty="0"/>
+              <a:t>Använda Visual Studio 2013 – Solution Explorer</a:t>
+            </a:r>
           </a:p>
         </p:txBody>
       </p:sp>
@@ -11829,13 +11483,6 @@
   <p:clrMapOvr>
     <a:masterClrMapping/>
   </p:clrMapOvr>
-  <p:timing>
-    <p:tnLst>
-      <p:par>
-        <p:cTn id="1" dur="indefinite" restart="never" nodeType="tmRoot"/>
-      </p:par>
-    </p:tnLst>
-  </p:timing>
 </p:sld>
 </file>
 
@@ -11899,41 +11546,36 @@
           <a:lstStyle/>
           <a:p>
             <a:r>
-              <a:rPr lang="sv-SE" dirty="0" smtClean="0"/>
+              <a:rPr lang="sv-SE" dirty="0"/>
               <a:t>För XAML-visaren i Visual Studio finns en </a:t>
             </a:r>
             <a:r>
-              <a:rPr lang="sv-SE" dirty="0" err="1" smtClean="0"/>
+              <a:rPr lang="sv-SE" dirty="0" err="1"/>
               <a:t>designvy</a:t>
             </a:r>
             <a:r>
-              <a:rPr lang="sv-SE" dirty="0" smtClean="0"/>
+              <a:rPr lang="sv-SE" dirty="0"/>
               <a:t> för XAML-filer.</a:t>
             </a:r>
           </a:p>
           <a:p>
             <a:r>
-              <a:rPr lang="sv-SE" dirty="0" smtClean="0"/>
+              <a:rPr lang="sv-SE" dirty="0"/>
               <a:t>Designvyn är bland annat en förhandsvisning av hur blanketten ser ut.</a:t>
             </a:r>
           </a:p>
           <a:p>
             <a:r>
               <a:rPr lang="sv-SE" dirty="0"/>
-              <a:t>Designvyn </a:t>
-            </a:r>
-            <a:r>
-              <a:rPr lang="sv-SE" dirty="0" smtClean="0"/>
-              <a:t>kan också användas</a:t>
+              <a:t>Designvyn kan också användas</a:t>
             </a:r>
             <a:br>
-              <a:rPr lang="sv-SE" dirty="0" smtClean="0"/>
+              <a:rPr lang="sv-SE" dirty="0"/>
             </a:br>
             <a:r>
-              <a:rPr lang="sv-SE" dirty="0" smtClean="0"/>
+              <a:rPr lang="sv-SE" dirty="0"/>
               <a:t>för att flytta runt fält.</a:t>
             </a:r>
-            <a:endParaRPr lang="sv-SE" dirty="0"/>
           </a:p>
         </p:txBody>
       </p:sp>
@@ -11954,21 +11596,8 @@
           <a:p>
             <a:r>
               <a:rPr lang="sv-SE" dirty="0"/>
-              <a:t>Använda Visual Studio </a:t>
-            </a:r>
-            <a:r>
-              <a:rPr lang="sv-SE" dirty="0" smtClean="0"/>
-              <a:t>2013 – </a:t>
-            </a:r>
-            <a:r>
-              <a:rPr lang="sv-SE" dirty="0"/>
-              <a:t>Design </a:t>
-            </a:r>
-            <a:r>
-              <a:rPr lang="sv-SE" dirty="0" smtClean="0"/>
-              <a:t>(XAML)</a:t>
-            </a:r>
-            <a:endParaRPr lang="sv-SE" dirty="0"/>
+              <a:t>Använda Visual Studio 2013 – Design (XAML)</a:t>
+            </a:r>
           </a:p>
         </p:txBody>
       </p:sp>
@@ -12049,13 +11678,6 @@
   <p:clrMapOvr>
     <a:masterClrMapping/>
   </p:clrMapOvr>
-  <p:timing>
-    <p:tnLst>
-      <p:par>
-        <p:cTn id="1" dur="indefinite" restart="never" nodeType="tmRoot"/>
-      </p:par>
-    </p:tnLst>
-  </p:timing>
 </p:sld>
 </file>
 
@@ -12092,25 +11714,142 @@
           <a:lstStyle/>
           <a:p>
             <a:r>
-              <a:rPr lang="sv-SE" dirty="0" err="1" smtClean="0"/>
+              <a:rPr lang="sv-SE" dirty="0" err="1"/>
               <a:t>Toolbox</a:t>
             </a:r>
             <a:r>
-              <a:rPr lang="sv-SE" dirty="0" smtClean="0"/>
+              <a:rPr lang="sv-SE" dirty="0"/>
               <a:t> – Import</a:t>
             </a:r>
+          </a:p>
+        </p:txBody>
+      </p:sp>
+      <p:sp>
+        <p:nvSpPr>
+          <p:cNvPr id="8" name="Content Placeholder 7"/>
+          <p:cNvSpPr>
+            <a:spLocks noGrp="1"/>
+          </p:cNvSpPr>
+          <p:nvPr>
+            <p:ph idx="1"/>
+          </p:nvPr>
+        </p:nvSpPr>
+        <p:spPr/>
+        <p:txBody>
+          <a:bodyPr/>
+          <a:lstStyle/>
+          <a:p>
+            <a:r>
+              <a:rPr lang="sv-SE" dirty="0" err="1"/>
+              <a:t>Toolbox</a:t>
+            </a:r>
+            <a:r>
+              <a:rPr lang="sv-SE" dirty="0"/>
+              <a:t> går att komma åt via</a:t>
+            </a:r>
+            <a:br>
+              <a:rPr lang="sv-SE" dirty="0"/>
+            </a:br>
+            <a:r>
+              <a:rPr lang="sv-SE" dirty="0"/>
+              <a:t>VIEW &gt; </a:t>
+            </a:r>
+            <a:r>
+              <a:rPr lang="sv-SE" dirty="0" err="1"/>
+              <a:t>Toolbox</a:t>
+            </a:r>
+            <a:r>
+              <a:rPr lang="sv-SE" dirty="0"/>
+              <a:t> (</a:t>
+            </a:r>
+            <a:r>
+              <a:rPr lang="sv-SE" dirty="0" err="1"/>
+              <a:t>Ctrl+alt+x</a:t>
+            </a:r>
+            <a:r>
+              <a:rPr lang="sv-SE" dirty="0"/>
+              <a:t>)</a:t>
+            </a:r>
+          </a:p>
+          <a:p>
+            <a:r>
+              <a:rPr lang="sv-SE" dirty="0"/>
+              <a:t>Återställ först </a:t>
+            </a:r>
+            <a:r>
+              <a:rPr lang="sv-SE" dirty="0" err="1"/>
+              <a:t>Toolbox</a:t>
+            </a:r>
+            <a:br>
+              <a:rPr lang="sv-SE" dirty="0"/>
+            </a:br>
+            <a:r>
+              <a:rPr lang="sv-SE" dirty="0"/>
+              <a:t>för att rensa gamla</a:t>
+            </a:r>
+            <a:br>
+              <a:rPr lang="sv-SE" dirty="0"/>
+            </a:br>
+            <a:r>
+              <a:rPr lang="sv-SE" dirty="0"/>
+              <a:t>objekt från listorna</a:t>
+            </a:r>
+          </a:p>
+          <a:p>
+            <a:r>
+              <a:rPr lang="sv-SE" dirty="0"/>
+              <a:t>Importera sedan den</a:t>
+            </a:r>
+            <a:br>
+              <a:rPr lang="sv-SE" dirty="0"/>
+            </a:br>
+            <a:r>
+              <a:rPr lang="sv-SE" dirty="0"/>
+              <a:t>sparade </a:t>
+            </a:r>
+            <a:r>
+              <a:rPr lang="sv-SE" dirty="0" err="1"/>
+              <a:t>toolbox</a:t>
+            </a:r>
+            <a:br>
+              <a:rPr lang="sv-SE" dirty="0"/>
+            </a:br>
+            <a:r>
+              <a:rPr lang="sv-SE" dirty="0"/>
+              <a:t>inställningsfilen</a:t>
+            </a:r>
+          </a:p>
+          <a:p>
+            <a:r>
+              <a:rPr lang="sv-SE" dirty="0"/>
+              <a:t>Fältmallar kommer</a:t>
+            </a:r>
+            <a:br>
+              <a:rPr lang="sv-SE" dirty="0"/>
+            </a:br>
+            <a:r>
+              <a:rPr lang="sv-SE" dirty="0"/>
+              <a:t>att dyka upp i flikar under</a:t>
+            </a:r>
+            <a:br>
+              <a:rPr lang="sv-SE" dirty="0"/>
+            </a:br>
+            <a:r>
+              <a:rPr lang="sv-SE" dirty="0" err="1"/>
+              <a:t>Toolbox</a:t>
+            </a:r>
             <a:endParaRPr lang="sv-SE" dirty="0"/>
           </a:p>
         </p:txBody>
       </p:sp>
       <p:sp>
         <p:nvSpPr>
-          <p:cNvPr id="8" name="Content Placeholder 7"/>
-          <p:cNvSpPr>
-            <a:spLocks noGrp="1"/>
-          </p:cNvSpPr>
-          <p:nvPr>
-            <p:ph idx="1"/>
+          <p:cNvPr id="9" name="Text Placeholder 8"/>
+          <p:cNvSpPr>
+            <a:spLocks noGrp="1"/>
+          </p:cNvSpPr>
+          <p:nvPr>
+            <p:ph type="body" sz="quarter" idx="14"/>
           </p:nvPr>
         </p:nvSpPr>
         <p:spPr/>
@@ -12119,141 +11858,11 @@
           <a:lstStyle/>
           <a:p>
             <a:r>
-              <a:rPr lang="sv-SE" dirty="0" err="1" smtClean="0"/>
-              <a:t>Toolbox</a:t>
-            </a:r>
-            <a:r>
-              <a:rPr lang="sv-SE" dirty="0" smtClean="0"/>
-              <a:t> går att komma åt via</a:t>
-            </a:r>
-            <a:br>
-              <a:rPr lang="sv-SE" dirty="0" smtClean="0"/>
-            </a:br>
-            <a:r>
-              <a:rPr lang="sv-SE" dirty="0" smtClean="0"/>
-              <a:t>VIEW &gt; </a:t>
-            </a:r>
-            <a:r>
-              <a:rPr lang="sv-SE" dirty="0" err="1" smtClean="0"/>
-              <a:t>Toolbox</a:t>
-            </a:r>
-            <a:r>
-              <a:rPr lang="sv-SE" dirty="0" smtClean="0"/>
-              <a:t> (</a:t>
-            </a:r>
-            <a:r>
-              <a:rPr lang="sv-SE" dirty="0" err="1" smtClean="0"/>
-              <a:t>Ctrl+alt+x</a:t>
-            </a:r>
-            <a:r>
-              <a:rPr lang="sv-SE" dirty="0" smtClean="0"/>
-              <a:t>)</a:t>
-            </a:r>
-          </a:p>
-          <a:p>
-            <a:r>
-              <a:rPr lang="sv-SE" dirty="0" smtClean="0"/>
-              <a:t>Återställ först </a:t>
-            </a:r>
-            <a:r>
-              <a:rPr lang="sv-SE" dirty="0" err="1" smtClean="0"/>
-              <a:t>Toolbox</a:t>
-            </a:r>
-            <a:r>
-              <a:rPr lang="sv-SE" dirty="0"/>
-              <a:t/>
-            </a:r>
-            <a:br>
-              <a:rPr lang="sv-SE" dirty="0"/>
-            </a:br>
-            <a:r>
-              <a:rPr lang="sv-SE" dirty="0" smtClean="0"/>
-              <a:t>för att rensa gamla</a:t>
-            </a:r>
-            <a:br>
-              <a:rPr lang="sv-SE" dirty="0" smtClean="0"/>
-            </a:br>
-            <a:r>
-              <a:rPr lang="sv-SE" dirty="0" smtClean="0"/>
-              <a:t>objekt från listorna</a:t>
-            </a:r>
-          </a:p>
-          <a:p>
-            <a:r>
-              <a:rPr lang="sv-SE" dirty="0" smtClean="0"/>
-              <a:t>Importera sedan den</a:t>
-            </a:r>
-            <a:br>
-              <a:rPr lang="sv-SE" dirty="0" smtClean="0"/>
-            </a:br>
-            <a:r>
-              <a:rPr lang="sv-SE" dirty="0" smtClean="0"/>
-              <a:t>sparade </a:t>
-            </a:r>
-            <a:r>
-              <a:rPr lang="sv-SE" dirty="0" err="1" smtClean="0"/>
-              <a:t>toolbox</a:t>
-            </a:r>
-            <a:r>
-              <a:rPr lang="sv-SE" dirty="0"/>
-              <a:t/>
-            </a:r>
-            <a:br>
-              <a:rPr lang="sv-SE" dirty="0"/>
-            </a:br>
-            <a:r>
-              <a:rPr lang="sv-SE" dirty="0" smtClean="0"/>
-              <a:t>inställningsfilen</a:t>
-            </a:r>
-          </a:p>
-          <a:p>
-            <a:r>
-              <a:rPr lang="sv-SE" dirty="0" smtClean="0"/>
-              <a:t>Fältmallar kommer</a:t>
-            </a:r>
-            <a:br>
-              <a:rPr lang="sv-SE" dirty="0" smtClean="0"/>
-            </a:br>
-            <a:r>
-              <a:rPr lang="sv-SE" dirty="0" smtClean="0"/>
-              <a:t>att dyka upp i flikar under</a:t>
-            </a:r>
-            <a:br>
-              <a:rPr lang="sv-SE" dirty="0" smtClean="0"/>
-            </a:br>
-            <a:r>
-              <a:rPr lang="sv-SE" dirty="0" err="1" smtClean="0"/>
-              <a:t>Toolbox</a:t>
-            </a:r>
-            <a:endParaRPr lang="sv-SE" dirty="0" smtClean="0"/>
-          </a:p>
-        </p:txBody>
-      </p:sp>
-      <p:sp>
-        <p:nvSpPr>
-          <p:cNvPr id="9" name="Text Placeholder 8"/>
-          <p:cNvSpPr>
-            <a:spLocks noGrp="1"/>
-          </p:cNvSpPr>
-          <p:nvPr>
-            <p:ph type="body" sz="quarter" idx="14"/>
-          </p:nvPr>
-        </p:nvSpPr>
-        <p:spPr/>
-        <p:txBody>
-          <a:bodyPr/>
-          <a:lstStyle/>
-          <a:p>
-            <a:r>
-              <a:rPr lang="sv-SE" dirty="0"/>
-              <a:t>Använda Visual Studio </a:t>
-            </a:r>
-            <a:r>
-              <a:rPr lang="sv-SE" dirty="0" smtClean="0"/>
-              <a:t>2013 – </a:t>
-            </a:r>
-            <a:r>
-              <a:rPr lang="sv-SE" dirty="0" err="1" smtClean="0"/>
+              <a:rPr lang="sv-SE" dirty="0"/>
+              <a:t>Använda Visual Studio 2013 – </a:t>
+            </a:r>
+            <a:r>
+              <a:rPr lang="sv-SE" dirty="0" err="1"/>
               <a:t>Toolbox</a:t>
             </a:r>
             <a:endParaRPr lang="sv-SE" dirty="0"/>
@@ -12457,13 +12066,6 @@
   <p:clrMapOvr>
     <a:masterClrMapping/>
   </p:clrMapOvr>
-  <p:timing>
-    <p:tnLst>
-      <p:par>
-        <p:cTn id="1" dur="indefinite" restart="never" nodeType="tmRoot"/>
-      </p:par>
-    </p:tnLst>
-  </p:timing>
 </p:sld>
 </file>
 
@@ -12500,14 +12102,13 @@
           <a:lstStyle/>
           <a:p>
             <a:r>
-              <a:rPr lang="sv-SE" dirty="0" err="1" smtClean="0"/>
+              <a:rPr lang="sv-SE" dirty="0" err="1"/>
               <a:t>Toolbox</a:t>
             </a:r>
             <a:r>
-              <a:rPr lang="sv-SE" dirty="0" smtClean="0"/>
+              <a:rPr lang="sv-SE" dirty="0"/>
               <a:t> - Fältmallar</a:t>
             </a:r>
-            <a:endParaRPr lang="sv-SE" dirty="0"/>
           </a:p>
         </p:txBody>
       </p:sp>
@@ -12527,52 +12128,51 @@
           <a:lstStyle/>
           <a:p>
             <a:r>
-              <a:rPr lang="sv-SE" dirty="0" smtClean="0"/>
+              <a:rPr lang="sv-SE" dirty="0"/>
               <a:t>För att underlätta i detta steget innehåller denna </a:t>
             </a:r>
             <a:r>
-              <a:rPr lang="sv-SE" dirty="0" err="1" smtClean="0"/>
+              <a:rPr lang="sv-SE" dirty="0" err="1"/>
               <a:t>Toolbox</a:t>
             </a:r>
             <a:r>
-              <a:rPr lang="sv-SE" dirty="0" smtClean="0"/>
+              <a:rPr lang="sv-SE" dirty="0"/>
               <a:t> färdiga fält som kan användas rakt av utan några andra åtgärder.</a:t>
             </a:r>
           </a:p>
           <a:p>
             <a:r>
-              <a:rPr lang="sv-SE" dirty="0" smtClean="0"/>
+              <a:rPr lang="sv-SE" dirty="0"/>
               <a:t>Detta innebär en begränsning av vad man kan göra med fälten, t.ex. kan ett fält enbart användas en gång utan att som minsta åtgärd ge den ett nytt x:Name.</a:t>
             </a:r>
           </a:p>
           <a:p>
             <a:r>
-              <a:rPr lang="sv-SE" dirty="0" smtClean="0"/>
+              <a:rPr lang="sv-SE" dirty="0"/>
               <a:t>Notera att fält från </a:t>
             </a:r>
             <a:r>
-              <a:rPr lang="sv-SE" dirty="0" err="1" smtClean="0"/>
+              <a:rPr lang="sv-SE" dirty="0" err="1"/>
               <a:t>Toolbox</a:t>
             </a:r>
             <a:r>
-              <a:rPr lang="sv-SE" dirty="0" smtClean="0"/>
+              <a:rPr lang="sv-SE" dirty="0"/>
               <a:t> måste dras in i rätt plats i </a:t>
             </a:r>
             <a:r>
-              <a:rPr lang="sv-SE" dirty="0" err="1" smtClean="0"/>
+              <a:rPr lang="sv-SE" dirty="0" err="1"/>
               <a:t>kodvyn</a:t>
             </a:r>
             <a:r>
-              <a:rPr lang="sv-SE" dirty="0" smtClean="0"/>
+              <a:rPr lang="sv-SE" dirty="0"/>
               <a:t> för XAML-filen, den kan inte dras in i designvyn.</a:t>
             </a:r>
           </a:p>
           <a:p>
             <a:r>
-              <a:rPr lang="sv-SE" dirty="0" smtClean="0"/>
+              <a:rPr lang="sv-SE" dirty="0"/>
               <a:t>I en mer avancerad nivå skrivs normalt fälten i koden manuellt.</a:t>
             </a:r>
-            <a:endParaRPr lang="sv-SE" dirty="0"/>
           </a:p>
         </p:txBody>
       </p:sp>
@@ -12593,14 +12193,10 @@
           <a:p>
             <a:r>
               <a:rPr lang="sv-SE" dirty="0"/>
-              <a:t>Använda Visual Studio </a:t>
-            </a:r>
-            <a:r>
-              <a:rPr lang="sv-SE" dirty="0" smtClean="0"/>
-              <a:t>2013 – </a:t>
-            </a:r>
-            <a:r>
-              <a:rPr lang="sv-SE" dirty="0" err="1" smtClean="0"/>
+              <a:t>Använda Visual Studio 2013 – </a:t>
+            </a:r>
+            <a:r>
+              <a:rPr lang="sv-SE" dirty="0" err="1"/>
               <a:t>Toolbox</a:t>
             </a:r>
             <a:endParaRPr lang="sv-SE" dirty="0"/>
@@ -12660,13 +12256,6 @@
   <p:clrMapOvr>
     <a:masterClrMapping/>
   </p:clrMapOvr>
-  <p:timing>
-    <p:tnLst>
-      <p:par>
-        <p:cTn id="1" dur="indefinite" restart="never" nodeType="tmRoot"/>
-      </p:par>
-    </p:tnLst>
-  </p:timing>
 </p:sld>
 </file>
 
@@ -12703,10 +12292,9 @@
           <a:lstStyle/>
           <a:p>
             <a:r>
-              <a:rPr lang="nb-NO" dirty="0" smtClean="0"/>
+              <a:rPr lang="nb-NO" dirty="0"/>
               <a:t>Detta ingår i steg 2</a:t>
             </a:r>
-            <a:endParaRPr lang="nb-NO" dirty="0"/>
           </a:p>
         </p:txBody>
       </p:sp>
@@ -12726,68 +12314,56 @@
           <a:lstStyle/>
           <a:p>
             <a:r>
-              <a:rPr lang="nb-NO" dirty="0" smtClean="0"/>
+              <a:rPr lang="nb-NO" dirty="0"/>
               <a:t>Beskrivning av blanketternas uppbyggnad</a:t>
             </a:r>
           </a:p>
           <a:p>
             <a:r>
-              <a:rPr lang="nb-NO" dirty="0" smtClean="0"/>
+              <a:rPr lang="nb-NO" dirty="0"/>
               <a:t>Skapande av layout</a:t>
             </a:r>
           </a:p>
           <a:p>
             <a:r>
-              <a:rPr lang="nb-NO" dirty="0" smtClean="0"/>
-              <a:t>Användning av Visual Studio 2013</a:t>
-            </a:r>
-          </a:p>
-          <a:p>
-            <a:r>
-              <a:rPr lang="nb-NO" dirty="0" smtClean="0"/>
+              <a:rPr lang="nb-NO" dirty="0"/>
+              <a:t>Användning av Visual Studio</a:t>
+            </a:r>
+          </a:p>
+          <a:p>
+            <a:r>
+              <a:rPr lang="nb-NO" dirty="0"/>
               <a:t>Import av layout</a:t>
             </a:r>
           </a:p>
           <a:p>
             <a:r>
-              <a:rPr lang="nb-NO" dirty="0" smtClean="0"/>
+              <a:rPr lang="nb-NO" dirty="0"/>
               <a:t>Placering av fält</a:t>
             </a:r>
           </a:p>
           <a:p>
             <a:r>
-              <a:rPr lang="nb-NO" dirty="0" smtClean="0"/>
+              <a:rPr lang="nb-NO" dirty="0"/>
               <a:t>Grundläggande förståelse av konceptet datatyper</a:t>
             </a:r>
           </a:p>
           <a:p>
             <a:r>
-              <a:rPr lang="nb-NO" dirty="0" smtClean="0"/>
+              <a:rPr lang="nb-NO" dirty="0"/>
               <a:t>Publicering av blanketter i EyeDoc</a:t>
             </a:r>
           </a:p>
           <a:p>
             <a:r>
-              <a:rPr lang="nb-NO" dirty="0" smtClean="0"/>
+              <a:rPr lang="nb-NO" dirty="0"/>
               <a:t>Enbart kort inblick i utökade funktioner</a:t>
             </a:r>
           </a:p>
           <a:p>
             <a:r>
               <a:rPr lang="sv-SE" dirty="0"/>
-              <a:t>Målet är </a:t>
-            </a:r>
-            <a:r>
-              <a:rPr lang="sv-SE" dirty="0" smtClean="0"/>
-              <a:t>att efter utbildningen </a:t>
-            </a:r>
-            <a:r>
-              <a:rPr lang="sv-SE" dirty="0"/>
-              <a:t>kunna skapa </a:t>
-            </a:r>
-            <a:r>
-              <a:rPr lang="sv-SE" dirty="0" smtClean="0"/>
-              <a:t>enklare blanketter</a:t>
+              <a:t>Målet är att efter utbildningen kunna skapa enklare blanketter</a:t>
             </a:r>
             <a:endParaRPr lang="nb-NO" dirty="0"/>
           </a:p>
@@ -12818,13 +12394,8 @@
           <a:p>
             <a:r>
               <a:rPr lang="nb-NO" dirty="0"/>
-              <a:t>Ubtildning </a:t>
-            </a:r>
-            <a:r>
-              <a:rPr lang="nb-NO" dirty="0" smtClean="0"/>
-              <a:t>i Blankettproduktion</a:t>
-            </a:r>
-            <a:endParaRPr lang="nb-NO" dirty="0"/>
+              <a:t>Ubtildning i Blankettproduktion</a:t>
+            </a:r>
           </a:p>
         </p:txBody>
       </p:sp>
@@ -12881,13 +12452,6 @@
   <p:clrMapOvr>
     <a:masterClrMapping/>
   </p:clrMapOvr>
-  <p:timing>
-    <p:tnLst>
-      <p:par>
-        <p:cTn id="1" dur="indefinite" restart="never" nodeType="tmRoot"/>
-      </p:par>
-    </p:tnLst>
-  </p:timing>
 </p:sld>
 </file>
 
@@ -12929,15 +12493,7 @@
             </a:r>
             <a:r>
               <a:rPr lang="sv-SE" dirty="0"/>
-              <a:t> </a:t>
-            </a:r>
-            <a:r>
-              <a:rPr lang="sv-SE" dirty="0" smtClean="0"/>
-              <a:t>List </a:t>
-            </a:r>
-            <a:r>
-              <a:rPr lang="sv-SE" dirty="0"/>
-              <a:t>– XAML validering</a:t>
+              <a:t> List – XAML validering</a:t>
             </a:r>
           </a:p>
         </p:txBody>
@@ -12958,104 +12514,33 @@
           <a:lstStyle/>
           <a:p>
             <a:r>
-              <a:rPr lang="sv-SE" dirty="0" smtClean="0"/>
+              <a:rPr lang="sv-SE" dirty="0"/>
               <a:t>XAML är en form av XML och XML måste formateras rätt för att kunna läsas av en dator.</a:t>
             </a:r>
           </a:p>
           <a:p>
             <a:r>
-              <a:rPr lang="sv-SE" dirty="0" smtClean="0"/>
+              <a:rPr lang="sv-SE" dirty="0"/>
               <a:t>Eftersom blankettproduktion på denna nivå kräver manuell redigering i XAML-filen är det viktigt att det se till alla regler för XAML följs.</a:t>
             </a:r>
           </a:p>
           <a:p>
             <a:r>
-              <a:rPr lang="sv-SE" dirty="0" smtClean="0"/>
+              <a:rPr lang="sv-SE" dirty="0"/>
               <a:t>Många fel i innehållet kommer betyda att </a:t>
             </a:r>
             <a:br>
-              <a:rPr lang="sv-SE" dirty="0" smtClean="0"/>
+              <a:rPr lang="sv-SE" dirty="0"/>
             </a:br>
             <a:r>
-              <a:rPr lang="sv-SE" dirty="0" smtClean="0"/>
+              <a:rPr lang="sv-SE" dirty="0"/>
               <a:t>blanketten inte kommer att fungera.</a:t>
             </a:r>
           </a:p>
           <a:p>
             <a:r>
-              <a:rPr lang="sv-SE" dirty="0" smtClean="0"/>
+              <a:rPr lang="sv-SE" dirty="0"/>
               <a:t>I </a:t>
-            </a:r>
-            <a:r>
-              <a:rPr lang="sv-SE" dirty="0" err="1" smtClean="0"/>
-              <a:t>Error</a:t>
-            </a:r>
-            <a:r>
-              <a:rPr lang="sv-SE" dirty="0" smtClean="0"/>
-              <a:t> List listas de fel som finns.</a:t>
-            </a:r>
-          </a:p>
-          <a:p>
-            <a:r>
-              <a:rPr lang="sv-SE" dirty="0" smtClean="0"/>
-              <a:t>Felen är uppdelade på vilken fil de finns i</a:t>
-            </a:r>
-            <a:br>
-              <a:rPr lang="sv-SE" dirty="0" smtClean="0"/>
-            </a:br>
-            <a:r>
-              <a:rPr lang="sv-SE" dirty="0" smtClean="0"/>
-              <a:t>och det gäller att kolla på rätt fil.</a:t>
-            </a:r>
-          </a:p>
-          <a:p>
-            <a:r>
-              <a:rPr lang="sv-SE" dirty="0" smtClean="0"/>
-              <a:t>Fel kommer också understrykas med en blå</a:t>
-            </a:r>
-            <a:br>
-              <a:rPr lang="sv-SE" dirty="0" smtClean="0"/>
-            </a:br>
-            <a:r>
-              <a:rPr lang="sv-SE" dirty="0" smtClean="0"/>
-              <a:t>färg i </a:t>
-            </a:r>
-            <a:r>
-              <a:rPr lang="sv-SE" dirty="0" err="1" smtClean="0"/>
-              <a:t>kodvyn</a:t>
-            </a:r>
-            <a:r>
-              <a:rPr lang="sv-SE" dirty="0" smtClean="0"/>
-              <a:t>.</a:t>
-            </a:r>
-          </a:p>
-          <a:p>
-            <a:endParaRPr lang="sv-SE" dirty="0"/>
-          </a:p>
-        </p:txBody>
-      </p:sp>
-      <p:sp>
-        <p:nvSpPr>
-          <p:cNvPr id="8" name="Text Placeholder 7"/>
-          <p:cNvSpPr>
-            <a:spLocks noGrp="1"/>
-          </p:cNvSpPr>
-          <p:nvPr>
-            <p:ph type="body" sz="quarter" idx="14"/>
-          </p:nvPr>
-        </p:nvSpPr>
-        <p:spPr/>
-        <p:txBody>
-          <a:bodyPr/>
-          <a:lstStyle/>
-          <a:p>
-            <a:r>
-              <a:rPr lang="sv-SE" dirty="0"/>
-              <a:t>Använda Visual Studio </a:t>
-            </a:r>
-            <a:r>
-              <a:rPr lang="sv-SE" dirty="0" smtClean="0"/>
-              <a:t>2013 – </a:t>
             </a:r>
             <a:r>
               <a:rPr lang="sv-SE" dirty="0" err="1"/>
@@ -13063,13 +12548,75 @@
             </a:r>
             <a:r>
               <a:rPr lang="sv-SE" dirty="0"/>
-              <a:t> </a:t>
-            </a:r>
-            <a:r>
-              <a:rPr lang="sv-SE" dirty="0" smtClean="0"/>
-              <a:t>List</a:t>
-            </a:r>
+              <a:t> List listas de fel som finns.</a:t>
+            </a:r>
+          </a:p>
+          <a:p>
+            <a:r>
+              <a:rPr lang="sv-SE" dirty="0"/>
+              <a:t>Felen är uppdelade på vilken fil de finns i</a:t>
+            </a:r>
+            <a:br>
+              <a:rPr lang="sv-SE" dirty="0"/>
+            </a:br>
+            <a:r>
+              <a:rPr lang="sv-SE" dirty="0"/>
+              <a:t>och det gäller att kolla på rätt fil.</a:t>
+            </a:r>
+          </a:p>
+          <a:p>
+            <a:r>
+              <a:rPr lang="sv-SE" dirty="0"/>
+              <a:t>Fel kommer också understrykas med en blå</a:t>
+            </a:r>
+            <a:br>
+              <a:rPr lang="sv-SE" dirty="0"/>
+            </a:br>
+            <a:r>
+              <a:rPr lang="sv-SE" dirty="0"/>
+              <a:t>färg i </a:t>
+            </a:r>
+            <a:r>
+              <a:rPr lang="sv-SE" dirty="0" err="1"/>
+              <a:t>kodvyn</a:t>
+            </a:r>
+            <a:r>
+              <a:rPr lang="sv-SE" dirty="0"/>
+              <a:t>.</a:t>
+            </a:r>
+          </a:p>
+          <a:p>
             <a:endParaRPr lang="sv-SE" dirty="0"/>
+          </a:p>
+        </p:txBody>
+      </p:sp>
+      <p:sp>
+        <p:nvSpPr>
+          <p:cNvPr id="8" name="Text Placeholder 7"/>
+          <p:cNvSpPr>
+            <a:spLocks noGrp="1"/>
+          </p:cNvSpPr>
+          <p:nvPr>
+            <p:ph type="body" sz="quarter" idx="14"/>
+          </p:nvPr>
+        </p:nvSpPr>
+        <p:spPr/>
+        <p:txBody>
+          <a:bodyPr/>
+          <a:lstStyle/>
+          <a:p>
+            <a:r>
+              <a:rPr lang="sv-SE" dirty="0"/>
+              <a:t>Använda Visual Studio 2013 – </a:t>
+            </a:r>
+            <a:r>
+              <a:rPr lang="sv-SE" dirty="0" err="1"/>
+              <a:t>Error</a:t>
+            </a:r>
+            <a:r>
+              <a:rPr lang="sv-SE" dirty="0"/>
+              <a:t> List</a:t>
+            </a:r>
           </a:p>
         </p:txBody>
       </p:sp>
@@ -13150,13 +12697,6 @@
   <p:clrMapOvr>
     <a:masterClrMapping/>
   </p:clrMapOvr>
-  <p:timing>
-    <p:tnLst>
-      <p:par>
-        <p:cTn id="1" dur="indefinite" restart="never" nodeType="tmRoot"/>
-      </p:par>
-    </p:tnLst>
-  </p:timing>
 </p:sld>
 </file>
 
@@ -13193,28 +12733,27 @@
           <a:lstStyle/>
           <a:p>
             <a:r>
-              <a:rPr lang="sv-SE" dirty="0" smtClean="0"/>
+              <a:rPr lang="sv-SE" dirty="0"/>
               <a:t>Import av layout</a:t>
             </a:r>
           </a:p>
           <a:p>
             <a:r>
-              <a:rPr lang="sv-SE" dirty="0" smtClean="0"/>
+              <a:rPr lang="sv-SE" dirty="0"/>
               <a:t>Placering av fält</a:t>
             </a:r>
           </a:p>
           <a:p>
             <a:r>
-              <a:rPr lang="sv-SE" dirty="0" smtClean="0"/>
+              <a:rPr lang="sv-SE" dirty="0"/>
               <a:t>Utökade funktioner</a:t>
             </a:r>
           </a:p>
           <a:p>
             <a:r>
-              <a:rPr lang="sv-SE" dirty="0" smtClean="0"/>
+              <a:rPr lang="sv-SE" dirty="0"/>
               <a:t>Datatyper</a:t>
             </a:r>
-            <a:endParaRPr lang="sv-SE" dirty="0"/>
           </a:p>
         </p:txBody>
       </p:sp>
@@ -13234,10 +12773,9 @@
           <a:lstStyle/>
           <a:p>
             <a:r>
-              <a:rPr lang="sv-SE" dirty="0" smtClean="0"/>
+              <a:rPr lang="sv-SE" dirty="0"/>
               <a:t>Blankettproduktion</a:t>
             </a:r>
-            <a:endParaRPr lang="sv-SE" dirty="0"/>
           </a:p>
         </p:txBody>
       </p:sp>
@@ -13294,13 +12832,6 @@
   <p:clrMapOvr>
     <a:masterClrMapping/>
   </p:clrMapOvr>
-  <p:timing>
-    <p:tnLst>
-      <p:par>
-        <p:cTn id="1" dur="indefinite" restart="never" nodeType="tmRoot"/>
-      </p:par>
-    </p:tnLst>
-  </p:timing>
 </p:sld>
 </file>
 
@@ -13337,16 +12868,15 @@
           <a:lstStyle/>
           <a:p>
             <a:r>
-              <a:rPr lang="sv-SE" dirty="0" smtClean="0"/>
+              <a:rPr lang="sv-SE" dirty="0"/>
               <a:t>Träd</a:t>
             </a:r>
           </a:p>
           <a:p>
             <a:r>
-              <a:rPr lang="sv-SE" dirty="0" smtClean="0"/>
+              <a:rPr lang="sv-SE" dirty="0"/>
               <a:t>Publicering av blankett</a:t>
             </a:r>
-            <a:endParaRPr lang="sv-SE" dirty="0"/>
           </a:p>
         </p:txBody>
       </p:sp>
@@ -13366,10 +12896,9 @@
           <a:lstStyle/>
           <a:p>
             <a:r>
-              <a:rPr lang="sv-SE" dirty="0" smtClean="0"/>
+              <a:rPr lang="sv-SE" dirty="0"/>
               <a:t>Blankettproduktion</a:t>
             </a:r>
-            <a:endParaRPr lang="sv-SE" dirty="0"/>
           </a:p>
         </p:txBody>
       </p:sp>
@@ -13426,13 +12955,6 @@
   <p:clrMapOvr>
     <a:masterClrMapping/>
   </p:clrMapOvr>
-  <p:timing>
-    <p:tnLst>
-      <p:par>
-        <p:cTn id="1" dur="indefinite" restart="never" nodeType="tmRoot"/>
-      </p:par>
-    </p:tnLst>
-  </p:timing>
 </p:sld>
 </file>
 
@@ -13469,21 +12991,97 @@
           <a:lstStyle/>
           <a:p>
             <a:r>
-              <a:rPr lang="sv-SE" dirty="0" smtClean="0"/>
+              <a:rPr lang="sv-SE" dirty="0"/>
               <a:t>Skapa ny blankett</a:t>
             </a:r>
+          </a:p>
+        </p:txBody>
+      </p:sp>
+      <p:sp>
+        <p:nvSpPr>
+          <p:cNvPr id="7" name="Content Placeholder 6"/>
+          <p:cNvSpPr>
+            <a:spLocks noGrp="1"/>
+          </p:cNvSpPr>
+          <p:nvPr>
+            <p:ph idx="1"/>
+          </p:nvPr>
+        </p:nvSpPr>
+        <p:spPr/>
+        <p:txBody>
+          <a:bodyPr/>
+          <a:lstStyle/>
+          <a:p>
+            <a:r>
+              <a:rPr lang="sv-SE" dirty="0"/>
+              <a:t>Varje blankett måste ha ett unikt artikelnummer</a:t>
+            </a:r>
+          </a:p>
+          <a:p>
             <a:endParaRPr lang="sv-SE" dirty="0"/>
           </a:p>
-        </p:txBody>
-      </p:sp>
-      <p:sp>
-        <p:nvSpPr>
-          <p:cNvPr id="7" name="Content Placeholder 6"/>
-          <p:cNvSpPr>
-            <a:spLocks noGrp="1"/>
-          </p:cNvSpPr>
-          <p:nvPr>
-            <p:ph idx="1"/>
+          <a:p>
+            <a:r>
+              <a:rPr lang="sv-SE" dirty="0"/>
+              <a:t>1) Kopiera mappen </a:t>
+            </a:r>
+            <a:r>
+              <a:rPr lang="sv-SE" dirty="0" err="1"/>
+              <a:t>LTB_IT_Mall</a:t>
+            </a:r>
+            <a:endParaRPr lang="sv-SE" dirty="0"/>
+          </a:p>
+          <a:p>
+            <a:endParaRPr lang="sv-SE" dirty="0"/>
+          </a:p>
+          <a:p>
+            <a:r>
+              <a:rPr lang="sv-SE" dirty="0"/>
+              <a:t>2) Byt namn på mappen och alla filer i mappen till rätt</a:t>
+            </a:r>
+            <a:br>
+              <a:rPr lang="sv-SE" dirty="0"/>
+            </a:br>
+            <a:r>
+              <a:rPr lang="sv-SE" dirty="0"/>
+              <a:t>namn enligt artikelnummer LTB_IT_*</a:t>
+            </a:r>
+          </a:p>
+          <a:p>
+            <a:endParaRPr lang="sv-SE" dirty="0"/>
+          </a:p>
+          <a:p>
+            <a:r>
+              <a:rPr lang="sv-SE" dirty="0"/>
+              <a:t>3) Byt också i .</a:t>
+            </a:r>
+            <a:r>
+              <a:rPr lang="sv-SE" dirty="0" err="1"/>
+              <a:t>xml</a:t>
+            </a:r>
+            <a:r>
+              <a:rPr lang="sv-SE" dirty="0"/>
+              <a:t> (1 plats) och .</a:t>
+            </a:r>
+            <a:r>
+              <a:rPr lang="sv-SE" dirty="0" err="1"/>
+              <a:t>xsd</a:t>
+            </a:r>
+            <a:r>
+              <a:rPr lang="sv-SE" dirty="0"/>
+              <a:t>-filerna (2 platser)</a:t>
+            </a:r>
+          </a:p>
+        </p:txBody>
+      </p:sp>
+      <p:sp>
+        <p:nvSpPr>
+          <p:cNvPr id="8" name="Text Placeholder 7"/>
+          <p:cNvSpPr>
+            <a:spLocks noGrp="1"/>
+          </p:cNvSpPr>
+          <p:nvPr>
+            <p:ph type="body" sz="quarter" idx="14"/>
           </p:nvPr>
         </p:nvSpPr>
         <p:spPr/>
@@ -13492,88 +13090,9 @@
           <a:lstStyle/>
           <a:p>
             <a:r>
-              <a:rPr lang="sv-SE" dirty="0" smtClean="0"/>
-              <a:t>Varje blankett måste ha ett unikt artikelnummer</a:t>
-            </a:r>
-          </a:p>
-          <a:p>
-            <a:endParaRPr lang="sv-SE" dirty="0" smtClean="0"/>
-          </a:p>
-          <a:p>
-            <a:r>
-              <a:rPr lang="sv-SE" dirty="0" smtClean="0"/>
-              <a:t>1) Kopiera mappen </a:t>
-            </a:r>
-            <a:r>
-              <a:rPr lang="sv-SE" dirty="0" err="1" smtClean="0"/>
-              <a:t>LTB_IT_Mall</a:t>
-            </a:r>
-            <a:endParaRPr lang="sv-SE" dirty="0" smtClean="0"/>
-          </a:p>
-          <a:p>
-            <a:endParaRPr lang="sv-SE" dirty="0" smtClean="0"/>
-          </a:p>
-          <a:p>
-            <a:r>
-              <a:rPr lang="sv-SE" dirty="0" smtClean="0"/>
-              <a:t>2) Byt namn på mappen och alla filer i mappen till rätt</a:t>
-            </a:r>
-            <a:br>
-              <a:rPr lang="sv-SE" dirty="0" smtClean="0"/>
-            </a:br>
-            <a:r>
-              <a:rPr lang="sv-SE" dirty="0" smtClean="0"/>
-              <a:t>namn enligt artikelnummer LTB_IT_*</a:t>
-            </a:r>
-          </a:p>
-          <a:p>
-            <a:endParaRPr lang="sv-SE" dirty="0" smtClean="0"/>
-          </a:p>
-          <a:p>
-            <a:r>
-              <a:rPr lang="sv-SE" dirty="0" smtClean="0"/>
-              <a:t>3) Byt också i .</a:t>
-            </a:r>
-            <a:r>
-              <a:rPr lang="sv-SE" dirty="0" err="1" smtClean="0"/>
-              <a:t>xml</a:t>
-            </a:r>
-            <a:r>
-              <a:rPr lang="sv-SE" dirty="0" smtClean="0"/>
-              <a:t> (1 plats) och .</a:t>
-            </a:r>
-            <a:r>
-              <a:rPr lang="sv-SE" dirty="0" err="1" smtClean="0"/>
-              <a:t>xsd</a:t>
-            </a:r>
-            <a:r>
-              <a:rPr lang="sv-SE" dirty="0" smtClean="0"/>
-              <a:t>-filerna (2 platser)</a:t>
-            </a:r>
-            <a:endParaRPr lang="sv-SE" dirty="0"/>
-          </a:p>
-        </p:txBody>
-      </p:sp>
-      <p:sp>
-        <p:nvSpPr>
-          <p:cNvPr id="8" name="Text Placeholder 7"/>
-          <p:cNvSpPr>
-            <a:spLocks noGrp="1"/>
-          </p:cNvSpPr>
-          <p:nvPr>
-            <p:ph type="body" sz="quarter" idx="14"/>
-          </p:nvPr>
-        </p:nvSpPr>
-        <p:spPr/>
-        <p:txBody>
-          <a:bodyPr/>
-          <a:lstStyle/>
-          <a:p>
-            <a:r>
-              <a:rPr lang="sv-SE" dirty="0" smtClean="0"/>
+              <a:rPr lang="sv-SE" dirty="0"/>
               <a:t>Blankettproduktion - Filnamn</a:t>
             </a:r>
-            <a:endParaRPr lang="sv-SE" dirty="0"/>
           </a:p>
         </p:txBody>
       </p:sp>
@@ -13726,13 +13245,6 @@
   <p:clrMapOvr>
     <a:masterClrMapping/>
   </p:clrMapOvr>
-  <p:timing>
-    <p:tnLst>
-      <p:par>
-        <p:cTn id="1" dur="indefinite" restart="never" nodeType="tmRoot"/>
-      </p:par>
-    </p:tnLst>
-  </p:timing>
 </p:sld>
 </file>
 
@@ -13769,10 +13281,9 @@
           <a:lstStyle/>
           <a:p>
             <a:r>
-              <a:rPr lang="sv-SE" dirty="0" smtClean="0"/>
+              <a:rPr lang="sv-SE" dirty="0"/>
               <a:t>Importera Layout</a:t>
             </a:r>
-            <a:endParaRPr lang="sv-SE" dirty="0"/>
           </a:p>
         </p:txBody>
       </p:sp>
@@ -13792,49 +13303,49 @@
           <a:lstStyle/>
           <a:p>
             <a:r>
-              <a:rPr lang="sv-SE" dirty="0" smtClean="0"/>
+              <a:rPr lang="sv-SE" dirty="0"/>
               <a:t>Skriv ut originalet till XPS med XPS skrivaren.</a:t>
             </a:r>
           </a:p>
           <a:p>
             <a:r>
-              <a:rPr lang="sv-SE" dirty="0" smtClean="0"/>
+              <a:rPr lang="sv-SE" dirty="0"/>
               <a:t>Ibland kan det hjälpa att först skriva ut originalet till PDF eller öppna det i en annan PDF läsare (t.ex. </a:t>
             </a:r>
             <a:r>
-              <a:rPr lang="sv-SE" dirty="0" err="1" smtClean="0"/>
+              <a:rPr lang="sv-SE" dirty="0" err="1"/>
               <a:t>FireFox</a:t>
             </a:r>
             <a:r>
-              <a:rPr lang="sv-SE" dirty="0" smtClean="0"/>
+              <a:rPr lang="sv-SE" dirty="0"/>
               <a:t>) och sedan skriva ut till XPS om resultatet inte blir bra i XAML filen.</a:t>
             </a:r>
           </a:p>
           <a:p>
             <a:r>
-              <a:rPr lang="sv-SE" dirty="0" smtClean="0"/>
+              <a:rPr lang="sv-SE" dirty="0"/>
               <a:t>XAML-</a:t>
             </a:r>
             <a:r>
-              <a:rPr lang="sv-SE" dirty="0" err="1" smtClean="0"/>
+              <a:rPr lang="sv-SE" dirty="0" err="1"/>
               <a:t>tool</a:t>
             </a:r>
             <a:r>
-              <a:rPr lang="sv-SE" dirty="0" smtClean="0"/>
+              <a:rPr lang="sv-SE" dirty="0"/>
               <a:t> används sedan för att konvertera </a:t>
             </a:r>
             <a:r>
-              <a:rPr lang="sv-SE" dirty="0" err="1" smtClean="0"/>
+              <a:rPr lang="sv-SE" dirty="0" err="1"/>
               <a:t>XPS:en</a:t>
             </a:r>
             <a:r>
-              <a:rPr lang="sv-SE" dirty="0" smtClean="0"/>
+              <a:rPr lang="sv-SE" dirty="0"/>
               <a:t> till XAML</a:t>
             </a:r>
           </a:p>
           <a:p>
             <a:r>
-              <a:rPr lang="sv-SE" dirty="0" smtClean="0"/>
+              <a:rPr lang="sv-SE" dirty="0"/>
               <a:t>XAML-resultatet kopieras sedan in i blanketten XAML-fil.</a:t>
             </a:r>
           </a:p>
@@ -13856,10 +13367,9 @@
           <a:lstStyle/>
           <a:p>
             <a:r>
-              <a:rPr lang="sv-SE" dirty="0" smtClean="0"/>
+              <a:rPr lang="sv-SE" dirty="0"/>
               <a:t>Blankettproduktion – Layout</a:t>
             </a:r>
-            <a:endParaRPr lang="sv-SE" dirty="0"/>
           </a:p>
         </p:txBody>
       </p:sp>
@@ -13916,13 +13426,6 @@
   <p:clrMapOvr>
     <a:masterClrMapping/>
   </p:clrMapOvr>
-  <p:timing>
-    <p:tnLst>
-      <p:par>
-        <p:cTn id="1" dur="indefinite" restart="never" nodeType="tmRoot"/>
-      </p:par>
-    </p:tnLst>
-  </p:timing>
 </p:sld>
 </file>
 
@@ -13960,14 +13463,10 @@
           <a:p>
             <a:r>
               <a:rPr lang="sv-SE" dirty="0"/>
-              <a:t>Blankettproduktion </a:t>
-            </a:r>
-            <a:r>
-              <a:rPr lang="sv-SE" dirty="0" smtClean="0"/>
-              <a:t>– </a:t>
-            </a:r>
-            <a:r>
-              <a:rPr lang="sv-SE" dirty="0" err="1" smtClean="0"/>
+              <a:t>Blankettproduktion – </a:t>
+            </a:r>
+            <a:r>
+              <a:rPr lang="sv-SE" dirty="0" err="1"/>
               <a:t>Fälttyper</a:t>
             </a:r>
             <a:endParaRPr lang="sv-SE" dirty="0"/>
@@ -13990,46 +13489,45 @@
           <a:lstStyle/>
           <a:p>
             <a:r>
-              <a:rPr lang="sv-SE" dirty="0" smtClean="0"/>
+              <a:rPr lang="sv-SE" dirty="0"/>
               <a:t>Textboxar</a:t>
             </a:r>
           </a:p>
           <a:p>
             <a:r>
-              <a:rPr lang="sv-SE" dirty="0" smtClean="0"/>
+              <a:rPr lang="sv-SE" dirty="0"/>
               <a:t>Textblock (ej </a:t>
             </a:r>
             <a:r>
-              <a:rPr lang="sv-SE" dirty="0" err="1" smtClean="0"/>
+              <a:rPr lang="sv-SE" dirty="0" err="1"/>
               <a:t>redigerbara</a:t>
             </a:r>
             <a:r>
               <a:rPr lang="sv-SE" dirty="0"/>
               <a:t>)</a:t>
             </a:r>
-            <a:endParaRPr lang="sv-SE" dirty="0" smtClean="0"/>
-          </a:p>
-          <a:p>
-            <a:r>
-              <a:rPr lang="sv-SE" dirty="0" smtClean="0"/>
+          </a:p>
+          <a:p>
+            <a:r>
+              <a:rPr lang="sv-SE" dirty="0"/>
               <a:t>Kryssrutor – </a:t>
             </a:r>
             <a:r>
-              <a:rPr lang="sv-SE" dirty="0" err="1" smtClean="0"/>
+              <a:rPr lang="sv-SE" dirty="0" err="1"/>
               <a:t>Enval</a:t>
             </a:r>
-            <a:endParaRPr lang="sv-SE" dirty="0" smtClean="0"/>
-          </a:p>
-          <a:p>
-            <a:r>
-              <a:rPr lang="sv-SE" dirty="0" smtClean="0"/>
+            <a:endParaRPr lang="sv-SE" dirty="0"/>
+          </a:p>
+          <a:p>
+            <a:r>
+              <a:rPr lang="sv-SE" dirty="0"/>
               <a:t>Kryssrutor – </a:t>
             </a:r>
             <a:r>
-              <a:rPr lang="sv-SE" dirty="0" err="1" smtClean="0"/>
+              <a:rPr lang="sv-SE" dirty="0" err="1"/>
               <a:t>Flerval</a:t>
             </a:r>
-            <a:endParaRPr lang="sv-SE" dirty="0" smtClean="0"/>
+            <a:endParaRPr lang="sv-SE" dirty="0"/>
           </a:p>
           <a:p>
             <a:endParaRPr lang="sv-SE" dirty="0"/>
@@ -14089,13 +13587,6 @@
   <p:clrMapOvr>
     <a:masterClrMapping/>
   </p:clrMapOvr>
-  <p:timing>
-    <p:tnLst>
-      <p:par>
-        <p:cTn id="1" dur="indefinite" restart="never" nodeType="tmRoot"/>
-      </p:par>
-    </p:tnLst>
-  </p:timing>
 </p:sld>
 </file>
 
@@ -14132,10 +13623,9 @@
           <a:lstStyle/>
           <a:p>
             <a:r>
-              <a:rPr lang="sv-SE" dirty="0" smtClean="0"/>
+              <a:rPr lang="sv-SE" dirty="0"/>
               <a:t>Generella fältattribut</a:t>
             </a:r>
-            <a:endParaRPr lang="sv-SE" dirty="0"/>
           </a:p>
         </p:txBody>
       </p:sp>
@@ -14155,74 +13645,69 @@
           <a:lstStyle/>
           <a:p>
             <a:r>
-              <a:rPr lang="sv-SE" dirty="0" smtClean="0"/>
+              <a:rPr lang="sv-SE" dirty="0"/>
               <a:t>x:Name är fältets namn som används t.ex. att länka trädet till fältet.</a:t>
             </a:r>
           </a:p>
           <a:p>
             <a:r>
-              <a:rPr lang="sv-SE" dirty="0" err="1" smtClean="0"/>
+              <a:rPr lang="sv-SE" dirty="0" err="1"/>
               <a:t>Width</a:t>
             </a:r>
             <a:r>
-              <a:rPr lang="sv-SE" dirty="0" smtClean="0"/>
+              <a:rPr lang="sv-SE" dirty="0"/>
               <a:t> &amp; </a:t>
             </a:r>
             <a:r>
-              <a:rPr lang="sv-SE" dirty="0" err="1" smtClean="0"/>
+              <a:rPr lang="sv-SE" dirty="0" err="1"/>
               <a:t>Height</a:t>
             </a:r>
             <a:r>
-              <a:rPr lang="sv-SE" dirty="0" smtClean="0"/>
+              <a:rPr lang="sv-SE" dirty="0"/>
               <a:t> är fältets storlek (notera undantag för textfält i kommande bilder).</a:t>
             </a:r>
           </a:p>
           <a:p>
             <a:r>
-              <a:rPr lang="sv-SE" dirty="0" smtClean="0"/>
+              <a:rPr lang="sv-SE" dirty="0"/>
               <a:t>Om fältet ligger i ett Canvas element använd </a:t>
             </a:r>
             <a:r>
-              <a:rPr lang="sv-SE" dirty="0" err="1" smtClean="0"/>
+              <a:rPr lang="sv-SE" dirty="0" err="1"/>
               <a:t>Canvas.Top</a:t>
             </a:r>
             <a:r>
-              <a:rPr lang="sv-SE" dirty="0" smtClean="0"/>
+              <a:rPr lang="sv-SE" dirty="0"/>
               <a:t> och </a:t>
             </a:r>
             <a:r>
-              <a:rPr lang="sv-SE" dirty="0" err="1" smtClean="0"/>
+              <a:rPr lang="sv-SE" dirty="0" err="1"/>
               <a:t>Canvas.Left</a:t>
             </a:r>
             <a:r>
-              <a:rPr lang="sv-SE" dirty="0" smtClean="0"/>
-              <a:t> för att sätta</a:t>
-            </a:r>
-            <a:r>
-              <a:rPr lang="sv-SE" dirty="0"/>
-              <a:t> </a:t>
-            </a:r>
-            <a:endParaRPr lang="sv-SE" dirty="0" smtClean="0"/>
-          </a:p>
-          <a:p>
-            <a:r>
-              <a:rPr lang="sv-SE" dirty="0" smtClean="0"/>
+              <a:rPr lang="sv-SE" dirty="0"/>
+              <a:t> för att sätta </a:t>
+            </a:r>
+          </a:p>
+          <a:p>
+            <a:r>
+              <a:rPr lang="sv-SE" dirty="0"/>
               <a:t>Tag används för att lagra </a:t>
             </a:r>
             <a:r>
-              <a:rPr lang="sv-SE" dirty="0" err="1" smtClean="0"/>
+              <a:rPr lang="sv-SE" dirty="0" err="1"/>
               <a:t>EyeDoc</a:t>
             </a:r>
             <a:r>
-              <a:rPr lang="sv-SE" dirty="0" smtClean="0"/>
+              <a:rPr lang="sv-SE" dirty="0"/>
               <a:t>-specifik information som </a:t>
             </a:r>
             <a:r>
-              <a:rPr lang="sv-SE" dirty="0" err="1" smtClean="0"/>
+              <a:rPr lang="sv-SE" dirty="0" err="1"/>
               <a:t>xPath</a:t>
             </a:r>
             <a:r>
-              <a:rPr lang="sv-SE" dirty="0" smtClean="0"/>
+              <a:rPr lang="sv-SE" dirty="0"/>
               <a:t>, validering och konverteringsregler m.m.</a:t>
             </a:r>
           </a:p>
@@ -14312,16 +13797,12 @@
               <a:t> </a:t>
             </a:r>
             <a:r>
-              <a:rPr lang="en-US" dirty="0" err="1" smtClean="0"/>
+              <a:rPr lang="en-US" dirty="0" err="1"/>
               <a:t>attribut</a:t>
             </a:r>
             <a:r>
-              <a:rPr lang="en-US" dirty="0" smtClean="0"/>
-              <a:t>: </a:t>
-            </a:r>
-            <a:r>
               <a:rPr lang="en-US" dirty="0"/>
-              <a:t>ToolTip="</a:t>
+              <a:t>: ToolTip="</a:t>
             </a:r>
             <a:r>
               <a:rPr lang="en-US" dirty="0" err="1"/>
@@ -14336,13 +13817,13 @@
               <a:t>här</a:t>
             </a:r>
             <a:r>
-              <a:rPr lang="en-US" dirty="0" smtClean="0"/>
+              <a:rPr lang="en-US" dirty="0"/>
               <a:t>!"</a:t>
             </a:r>
-            <a:endParaRPr lang="sv-SE" dirty="0" smtClean="0"/>
-          </a:p>
-          <a:p>
-            <a:endParaRPr lang="sv-SE" dirty="0" smtClean="0"/>
+            <a:endParaRPr lang="sv-SE" dirty="0"/>
+          </a:p>
+          <a:p>
+            <a:endParaRPr lang="sv-SE" dirty="0"/>
           </a:p>
         </p:txBody>
       </p:sp>
@@ -14366,7 +13847,7 @@
               <a:t>Blankettproduktion – </a:t>
             </a:r>
             <a:r>
-              <a:rPr lang="sv-SE" dirty="0" err="1" smtClean="0"/>
+              <a:rPr lang="sv-SE" dirty="0" err="1"/>
               <a:t>Fälttyper</a:t>
             </a:r>
             <a:endParaRPr lang="sv-SE" dirty="0"/>
@@ -14426,13 +13907,6 @@
   <p:clrMapOvr>
     <a:masterClrMapping/>
   </p:clrMapOvr>
-  <p:timing>
-    <p:tnLst>
-      <p:par>
-        <p:cTn id="1" dur="indefinite" restart="never" nodeType="tmRoot"/>
-      </p:par>
-    </p:tnLst>
-  </p:timing>
 </p:sld>
 </file>
 
@@ -14469,7 +13943,7 @@
           <a:lstStyle/>
           <a:p>
             <a:r>
-              <a:rPr lang="sv-SE" dirty="0" err="1" smtClean="0"/>
+              <a:rPr lang="sv-SE" dirty="0" err="1"/>
               <a:t>Textbox</a:t>
             </a:r>
             <a:endParaRPr lang="sv-SE" dirty="0"/>
@@ -14492,13 +13966,13 @@
           <a:lstStyle/>
           <a:p>
             <a:r>
-              <a:rPr lang="sv-SE" dirty="0" smtClean="0"/>
+              <a:rPr lang="sv-SE" dirty="0"/>
               <a:t>Ska inte ha någon höjd utan får sin höjd av antalet rader den kan ha.</a:t>
             </a:r>
           </a:p>
           <a:p>
             <a:r>
-              <a:rPr lang="sv-SE" dirty="0" smtClean="0"/>
+              <a:rPr lang="sv-SE" dirty="0"/>
               <a:t>Flerradstextboxar skapas med följande attribut: </a:t>
             </a:r>
             <a:r>
@@ -14531,11 +14005,7 @@
             </a:r>
             <a:r>
               <a:rPr lang="en-US" dirty="0"/>
-              <a:t>="</a:t>
-            </a:r>
-            <a:r>
-              <a:rPr lang="en-US" dirty="0" smtClean="0"/>
-              <a:t>True“.</a:t>
+              <a:t>="True“.</a:t>
             </a:r>
           </a:p>
         </p:txBody>
@@ -14556,11 +14026,11 @@
           <a:lstStyle/>
           <a:p>
             <a:r>
-              <a:rPr lang="sv-SE" dirty="0" smtClean="0"/>
+              <a:rPr lang="sv-SE" dirty="0"/>
               <a:t>Blankettproduktion – </a:t>
             </a:r>
             <a:r>
-              <a:rPr lang="sv-SE" dirty="0" err="1" smtClean="0"/>
+              <a:rPr lang="sv-SE" dirty="0" err="1"/>
               <a:t>Fälttyper</a:t>
             </a:r>
             <a:endParaRPr lang="sv-SE" dirty="0"/>
@@ -14620,13 +14090,6 @@
   <p:clrMapOvr>
     <a:masterClrMapping/>
   </p:clrMapOvr>
-  <p:timing>
-    <p:tnLst>
-      <p:par>
-        <p:cTn id="1" dur="indefinite" restart="never" nodeType="tmRoot"/>
-      </p:par>
-    </p:tnLst>
-  </p:timing>
 </p:sld>
 </file>
 
@@ -14663,10 +14126,9 @@
           <a:lstStyle/>
           <a:p>
             <a:r>
-              <a:rPr lang="sv-SE" dirty="0" smtClean="0"/>
+              <a:rPr lang="sv-SE" dirty="0"/>
               <a:t>Textblock</a:t>
             </a:r>
-            <a:endParaRPr lang="sv-SE" dirty="0"/>
           </a:p>
         </p:txBody>
       </p:sp>
@@ -14686,15 +14148,15 @@
           <a:lstStyle/>
           <a:p>
             <a:r>
-              <a:rPr lang="sv-SE" dirty="0" smtClean="0"/>
+              <a:rPr lang="sv-SE" dirty="0"/>
               <a:t>Går inte att redigera av användaren, så måste </a:t>
             </a:r>
             <a:r>
-              <a:rPr lang="sv-SE" dirty="0" err="1" smtClean="0"/>
+              <a:rPr lang="sv-SE" dirty="0" err="1"/>
               <a:t>förifyllas</a:t>
             </a:r>
             <a:r>
-              <a:rPr lang="sv-SE" dirty="0" smtClean="0"/>
+              <a:rPr lang="sv-SE" dirty="0"/>
               <a:t> eller fyllas i av en funktion, t.ex. en uträkningsfunktion.</a:t>
             </a:r>
           </a:p>
@@ -14716,11 +14178,11 @@
           <a:lstStyle/>
           <a:p>
             <a:r>
-              <a:rPr lang="sv-SE" dirty="0" smtClean="0"/>
+              <a:rPr lang="sv-SE" dirty="0"/>
               <a:t>Blankettproduktion – </a:t>
             </a:r>
             <a:r>
-              <a:rPr lang="sv-SE" dirty="0" err="1" smtClean="0"/>
+              <a:rPr lang="sv-SE" dirty="0" err="1"/>
               <a:t>Fälttyper</a:t>
             </a:r>
             <a:endParaRPr lang="sv-SE" dirty="0"/>
@@ -14780,13 +14242,6 @@
   <p:clrMapOvr>
     <a:masterClrMapping/>
   </p:clrMapOvr>
-  <p:timing>
-    <p:tnLst>
-      <p:par>
-        <p:cTn id="1" dur="indefinite" restart="never" nodeType="tmRoot"/>
-      </p:par>
-    </p:tnLst>
-  </p:timing>
 </p:sld>
 </file>
 
@@ -14823,11 +14278,11 @@
           <a:lstStyle/>
           <a:p>
             <a:r>
-              <a:rPr lang="sv-SE" dirty="0" smtClean="0"/>
+              <a:rPr lang="sv-SE" dirty="0"/>
               <a:t>Kryssrutor – </a:t>
             </a:r>
             <a:r>
-              <a:rPr lang="sv-SE" dirty="0" err="1" smtClean="0"/>
+              <a:rPr lang="sv-SE" dirty="0" err="1"/>
               <a:t>Enval</a:t>
             </a:r>
             <a:endParaRPr lang="sv-SE" dirty="0"/>
@@ -14850,75 +14305,67 @@
           <a:lstStyle/>
           <a:p>
             <a:r>
-              <a:rPr lang="sv-SE" dirty="0" err="1" smtClean="0"/>
+              <a:rPr lang="sv-SE" dirty="0" err="1"/>
               <a:t>Envalskryssrutor</a:t>
             </a:r>
             <a:r>
-              <a:rPr lang="sv-SE" dirty="0" smtClean="0"/>
+              <a:rPr lang="sv-SE" dirty="0"/>
               <a:t> har i samma grupp måste använda samma </a:t>
             </a:r>
             <a:r>
-              <a:rPr lang="sv-SE" dirty="0" err="1" smtClean="0"/>
+              <a:rPr lang="sv-SE" dirty="0" err="1"/>
               <a:t>xPath</a:t>
             </a:r>
             <a:r>
-              <a:rPr lang="sv-SE" dirty="0" smtClean="0"/>
+              <a:rPr lang="sv-SE" dirty="0"/>
               <a:t>.</a:t>
             </a:r>
           </a:p>
           <a:p>
             <a:r>
-              <a:rPr lang="sv-SE" dirty="0" smtClean="0"/>
+              <a:rPr lang="sv-SE" dirty="0"/>
               <a:t>Fler kryssrutor läggs till en grupp genom att använda samma </a:t>
             </a:r>
             <a:r>
-              <a:rPr lang="sv-SE" dirty="0" err="1" smtClean="0"/>
+              <a:rPr lang="sv-SE" dirty="0" err="1"/>
               <a:t>xPath</a:t>
             </a:r>
             <a:r>
-              <a:rPr lang="sv-SE" dirty="0" smtClean="0"/>
+              <a:rPr lang="sv-SE" dirty="0"/>
               <a:t> men olika parametervärden.</a:t>
             </a:r>
           </a:p>
           <a:p>
             <a:r>
-              <a:rPr lang="sv-SE" dirty="0" smtClean="0"/>
-              <a:t>Parametern styr vilket värde som sparas och kan ha </a:t>
-            </a:r>
-            <a:r>
-              <a:rPr lang="sv-SE" dirty="0"/>
-              <a:t>både siffror och text som värde </a:t>
-            </a:r>
-            <a:r>
-              <a:rPr lang="sv-SE" dirty="0" smtClean="0"/>
-              <a:t>: ”stringEnumBooleanConverter|0” eller  ”</a:t>
-            </a:r>
-            <a:r>
-              <a:rPr lang="sv-SE" dirty="0" err="1" smtClean="0"/>
+              <a:rPr lang="sv-SE" dirty="0"/>
+              <a:t>Parametern styr vilket värde som sparas och kan ha både siffror och text som värde : ”stringEnumBooleanConverter|0” eller  ”</a:t>
+            </a:r>
+            <a:r>
+              <a:rPr lang="sv-SE" dirty="0" err="1"/>
               <a:t>stringEnumBooleanConverter|Nej</a:t>
             </a:r>
             <a:r>
-              <a:rPr lang="sv-SE" dirty="0" smtClean="0"/>
+              <a:rPr lang="sv-SE" dirty="0"/>
               <a:t>!”</a:t>
             </a:r>
           </a:p>
           <a:p>
             <a:r>
-              <a:rPr lang="sv-SE" dirty="0" smtClean="0"/>
+              <a:rPr lang="sv-SE" dirty="0"/>
               <a:t>Ibland kan det vara intressant att sätta ett specifikt värde, för t.ex. att visa på annan plats eller för uträkningar, men det är överkurs här.</a:t>
             </a:r>
           </a:p>
           <a:p>
             <a:r>
-              <a:rPr lang="sv-SE" dirty="0" smtClean="0"/>
+              <a:rPr lang="sv-SE" dirty="0"/>
               <a:t>Det viktiga är att varje kryssruta i </a:t>
             </a:r>
             <a:r>
-              <a:rPr lang="sv-SE" dirty="0" err="1" smtClean="0"/>
+              <a:rPr lang="sv-SE" dirty="0" err="1"/>
               <a:t>envalsgruppen</a:t>
             </a:r>
             <a:r>
-              <a:rPr lang="sv-SE" dirty="0" smtClean="0"/>
+              <a:rPr lang="sv-SE" dirty="0"/>
               <a:t> har ett unikt värde i sin parameter, har flera samma värde kommer alla dessa kryssas i samtidigt.</a:t>
             </a:r>
           </a:p>
@@ -14940,11 +14387,11 @@
           <a:lstStyle/>
           <a:p>
             <a:r>
-              <a:rPr lang="sv-SE" dirty="0" smtClean="0"/>
+              <a:rPr lang="sv-SE" dirty="0"/>
               <a:t>Blankettproduktion – </a:t>
             </a:r>
             <a:r>
-              <a:rPr lang="sv-SE" dirty="0" err="1" smtClean="0"/>
+              <a:rPr lang="sv-SE" dirty="0" err="1"/>
               <a:t>Fälttyper</a:t>
             </a:r>
             <a:endParaRPr lang="sv-SE" dirty="0"/>
@@ -15004,13 +14451,6 @@
   <p:clrMapOvr>
     <a:masterClrMapping/>
   </p:clrMapOvr>
-  <p:timing>
-    <p:tnLst>
-      <p:par>
-        <p:cTn id="1" dur="indefinite" restart="never" nodeType="tmRoot"/>
-      </p:par>
-    </p:tnLst>
-  </p:timing>
 </p:sld>
 </file>
 
@@ -15051,7 +14491,7 @@
               <a:buAutoNum type="arabicPeriod"/>
             </a:pPr>
             <a:r>
-              <a:rPr lang="sv-SE" sz="1200" dirty="0" smtClean="0"/>
+              <a:rPr lang="sv-SE" sz="1200" dirty="0"/>
               <a:t>Skicka in manus till produktion</a:t>
             </a:r>
           </a:p>
@@ -15061,7 +14501,7 @@
               <a:buAutoNum type="arabicPeriod"/>
             </a:pPr>
             <a:r>
-              <a:rPr lang="sv-SE" sz="1200" dirty="0" smtClean="0"/>
+              <a:rPr lang="sv-SE" sz="1200" dirty="0"/>
               <a:t>Produktion av blankett</a:t>
             </a:r>
           </a:p>
@@ -15071,7 +14511,7 @@
               <a:buAutoNum type="arabicPeriod"/>
             </a:pPr>
             <a:r>
-              <a:rPr lang="sv-SE" sz="1200" dirty="0" smtClean="0"/>
+              <a:rPr lang="sv-SE" sz="1200" dirty="0"/>
               <a:t>Kvalitetsgranskning</a:t>
             </a:r>
           </a:p>
@@ -15081,7 +14521,7 @@
               <a:buAutoNum type="arabicPeriod"/>
             </a:pPr>
             <a:r>
-              <a:rPr lang="sv-SE" sz="1200" dirty="0" smtClean="0"/>
+              <a:rPr lang="sv-SE" sz="1200" dirty="0"/>
               <a:t>Leverans till testmiljö</a:t>
             </a:r>
           </a:p>
@@ -15091,7 +14531,7 @@
               <a:buAutoNum type="arabicPeriod"/>
             </a:pPr>
             <a:r>
-              <a:rPr lang="sv-SE" sz="1200" dirty="0" smtClean="0"/>
+              <a:rPr lang="sv-SE" sz="1200" dirty="0"/>
               <a:t>Test av manusförfattare</a:t>
             </a:r>
           </a:p>
@@ -15101,7 +14541,7 @@
               <a:buAutoNum type="arabicPeriod"/>
             </a:pPr>
             <a:r>
-              <a:rPr lang="sv-SE" sz="1200" dirty="0" smtClean="0"/>
+              <a:rPr lang="sv-SE" sz="1200" dirty="0"/>
               <a:t>OK enligt manus – Publicering till driftsmiljö (punkt 8)</a:t>
             </a:r>
           </a:p>
@@ -15111,7 +14551,7 @@
               <a:buAutoNum type="arabicPeriod"/>
             </a:pPr>
             <a:r>
-              <a:rPr lang="sv-SE" sz="1200" dirty="0" smtClean="0"/>
+              <a:rPr lang="sv-SE" sz="1200" dirty="0"/>
               <a:t>Fel enligt manus – Återkoppling till produktionsresurs (punkt 2)</a:t>
             </a:r>
           </a:p>
@@ -15121,7 +14561,7 @@
               <a:buAutoNum type="arabicPeriod"/>
             </a:pPr>
             <a:r>
-              <a:rPr lang="sv-SE" sz="1200" dirty="0" smtClean="0"/>
+              <a:rPr lang="sv-SE" sz="1200" dirty="0"/>
               <a:t>Publicering i driftmiljö</a:t>
             </a:r>
           </a:p>
@@ -15193,10 +14633,9 @@
           <a:lstStyle/>
           <a:p>
             <a:r>
-              <a:rPr lang="sv-SE" dirty="0" smtClean="0"/>
+              <a:rPr lang="sv-SE" dirty="0"/>
               <a:t>Rutin för produktion</a:t>
             </a:r>
-            <a:endParaRPr lang="sv-SE" dirty="0"/>
           </a:p>
         </p:txBody>
       </p:sp>
@@ -15267,13 +14706,6 @@
   <p:clrMapOvr>
     <a:masterClrMapping/>
   </p:clrMapOvr>
-  <p:timing>
-    <p:tnLst>
-      <p:par>
-        <p:cTn id="1" dur="indefinite" restart="never" nodeType="tmRoot"/>
-      </p:par>
-    </p:tnLst>
-  </p:timing>
 </p:sld>
 </file>
 
@@ -15310,11 +14742,11 @@
           <a:lstStyle/>
           <a:p>
             <a:r>
-              <a:rPr lang="sv-SE" dirty="0" smtClean="0"/>
+              <a:rPr lang="sv-SE" dirty="0"/>
               <a:t>Kryssrutor – </a:t>
             </a:r>
             <a:r>
-              <a:rPr lang="sv-SE" dirty="0" err="1" smtClean="0"/>
+              <a:rPr lang="sv-SE" dirty="0" err="1"/>
               <a:t>Flerval</a:t>
             </a:r>
             <a:endParaRPr lang="sv-SE" dirty="0"/>
@@ -15337,61 +14769,57 @@
           <a:lstStyle/>
           <a:p>
             <a:r>
-              <a:rPr lang="sv-SE" dirty="0" smtClean="0"/>
+              <a:rPr lang="sv-SE" dirty="0"/>
               <a:t>Är fristående kryssrutor.</a:t>
             </a:r>
           </a:p>
           <a:p>
             <a:r>
-              <a:rPr lang="sv-SE" dirty="0" smtClean="0"/>
+              <a:rPr lang="sv-SE" dirty="0"/>
               <a:t>Varje kryssruta ska ha en egen </a:t>
             </a:r>
             <a:r>
-              <a:rPr lang="sv-SE" dirty="0" err="1" smtClean="0"/>
+              <a:rPr lang="sv-SE" dirty="0" err="1"/>
               <a:t>xPath</a:t>
             </a:r>
             <a:r>
-              <a:rPr lang="sv-SE" dirty="0" smtClean="0"/>
+              <a:rPr lang="sv-SE" dirty="0"/>
               <a:t>.</a:t>
             </a:r>
           </a:p>
           <a:p>
             <a:r>
-              <a:rPr lang="sv-SE" dirty="0" smtClean="0"/>
+              <a:rPr lang="sv-SE" dirty="0"/>
               <a:t>Om värdet sparas med en </a:t>
             </a:r>
             <a:r>
-              <a:rPr lang="sv-SE" dirty="0" err="1" smtClean="0"/>
+              <a:rPr lang="sv-SE" dirty="0" err="1"/>
               <a:t>BooleanConverter</a:t>
             </a:r>
             <a:r>
               <a:rPr lang="sv-SE" dirty="0"/>
-              <a:t> </a:t>
-            </a:r>
-            <a:r>
-              <a:rPr lang="sv-SE" dirty="0" smtClean="0"/>
-              <a:t>kan fältet bara spara 1 eller 0 (</a:t>
-            </a:r>
-            <a:r>
-              <a:rPr lang="sv-SE" dirty="0" err="1" smtClean="0"/>
+              <a:t> kan fältet bara spara 1 eller 0 (</a:t>
+            </a:r>
+            <a:r>
+              <a:rPr lang="sv-SE" dirty="0" err="1"/>
               <a:t>null</a:t>
             </a:r>
             <a:r>
-              <a:rPr lang="sv-SE" dirty="0" smtClean="0"/>
+              <a:rPr lang="sv-SE" dirty="0"/>
               <a:t>).</a:t>
             </a:r>
           </a:p>
           <a:p>
             <a:r>
-              <a:rPr lang="sv-SE" dirty="0" smtClean="0"/>
+              <a:rPr lang="sv-SE" dirty="0"/>
               <a:t>I annat fall kan en ensam </a:t>
             </a:r>
             <a:r>
-              <a:rPr lang="sv-SE" dirty="0" err="1" smtClean="0"/>
+              <a:rPr lang="sv-SE" dirty="0" err="1"/>
               <a:t>envalskryssruta</a:t>
             </a:r>
             <a:r>
-              <a:rPr lang="sv-SE" dirty="0" smtClean="0"/>
+              <a:rPr lang="sv-SE" dirty="0"/>
               <a:t> användas för samma funktion men med möjlighet att styra det värde som sparas.</a:t>
             </a:r>
           </a:p>
@@ -15413,11 +14841,11 @@
           <a:lstStyle/>
           <a:p>
             <a:r>
-              <a:rPr lang="sv-SE" dirty="0" smtClean="0"/>
+              <a:rPr lang="sv-SE" dirty="0"/>
               <a:t>Blankettproduktion – </a:t>
             </a:r>
             <a:r>
-              <a:rPr lang="sv-SE" dirty="0" err="1" smtClean="0"/>
+              <a:rPr lang="sv-SE" dirty="0" err="1"/>
               <a:t>Fälttyper</a:t>
             </a:r>
             <a:endParaRPr lang="sv-SE" dirty="0"/>
@@ -15477,13 +14905,6 @@
   <p:clrMapOvr>
     <a:masterClrMapping/>
   </p:clrMapOvr>
-  <p:timing>
-    <p:tnLst>
-      <p:par>
-        <p:cTn id="1" dur="indefinite" restart="never" nodeType="tmRoot"/>
-      </p:par>
-    </p:tnLst>
-  </p:timing>
 </p:sld>
 </file>
 
@@ -15520,11 +14941,11 @@
           <a:lstStyle/>
           <a:p>
             <a:r>
-              <a:rPr lang="sv-SE" dirty="0" smtClean="0"/>
+              <a:rPr lang="sv-SE" dirty="0"/>
               <a:t>Kryssrutor – </a:t>
             </a:r>
             <a:r>
-              <a:rPr lang="sv-SE" dirty="0" err="1" smtClean="0"/>
+              <a:rPr lang="sv-SE" dirty="0" err="1"/>
               <a:t>Flerval</a:t>
             </a:r>
             <a:endParaRPr lang="sv-SE" dirty="0"/>
@@ -15547,61 +14968,57 @@
           <a:lstStyle/>
           <a:p>
             <a:r>
-              <a:rPr lang="sv-SE" dirty="0" smtClean="0"/>
+              <a:rPr lang="sv-SE" dirty="0"/>
               <a:t>Är fristående kryssrutor.</a:t>
             </a:r>
           </a:p>
           <a:p>
             <a:r>
-              <a:rPr lang="sv-SE" dirty="0" smtClean="0"/>
+              <a:rPr lang="sv-SE" dirty="0"/>
               <a:t>Varje kryssruta ska ha en egen </a:t>
             </a:r>
             <a:r>
-              <a:rPr lang="sv-SE" dirty="0" err="1" smtClean="0"/>
+              <a:rPr lang="sv-SE" dirty="0" err="1"/>
               <a:t>xPath</a:t>
             </a:r>
             <a:r>
-              <a:rPr lang="sv-SE" dirty="0" smtClean="0"/>
+              <a:rPr lang="sv-SE" dirty="0"/>
               <a:t>.</a:t>
             </a:r>
           </a:p>
           <a:p>
             <a:r>
-              <a:rPr lang="sv-SE" dirty="0" smtClean="0"/>
+              <a:rPr lang="sv-SE" dirty="0"/>
               <a:t>Om värdet sparas med en </a:t>
             </a:r>
             <a:r>
-              <a:rPr lang="sv-SE" dirty="0" err="1" smtClean="0"/>
+              <a:rPr lang="sv-SE" dirty="0" err="1"/>
               <a:t>BooleanConverter</a:t>
             </a:r>
             <a:r>
               <a:rPr lang="sv-SE" dirty="0"/>
-              <a:t> </a:t>
-            </a:r>
-            <a:r>
-              <a:rPr lang="sv-SE" dirty="0" smtClean="0"/>
-              <a:t>kan fältet bara spara 1 eller 0 (</a:t>
-            </a:r>
-            <a:r>
-              <a:rPr lang="sv-SE" dirty="0" err="1" smtClean="0"/>
+              <a:t> kan fältet bara spara 1 eller 0 (</a:t>
+            </a:r>
+            <a:r>
+              <a:rPr lang="sv-SE" dirty="0" err="1"/>
               <a:t>null</a:t>
             </a:r>
             <a:r>
-              <a:rPr lang="sv-SE" dirty="0" smtClean="0"/>
+              <a:rPr lang="sv-SE" dirty="0"/>
               <a:t>).</a:t>
             </a:r>
           </a:p>
           <a:p>
             <a:r>
-              <a:rPr lang="sv-SE" dirty="0" smtClean="0"/>
+              <a:rPr lang="sv-SE" dirty="0"/>
               <a:t>I annat fall kan en ensam </a:t>
             </a:r>
             <a:r>
-              <a:rPr lang="sv-SE" dirty="0" err="1" smtClean="0"/>
+              <a:rPr lang="sv-SE" dirty="0" err="1"/>
               <a:t>envalskryssruta</a:t>
             </a:r>
             <a:r>
-              <a:rPr lang="sv-SE" dirty="0" smtClean="0"/>
+              <a:rPr lang="sv-SE" dirty="0"/>
               <a:t> användas för samma funktion men med möjlighet att styra det värde som sparas.</a:t>
             </a:r>
           </a:p>
@@ -15623,11 +15040,11 @@
           <a:lstStyle/>
           <a:p>
             <a:r>
-              <a:rPr lang="sv-SE" dirty="0" smtClean="0"/>
+              <a:rPr lang="sv-SE" dirty="0"/>
               <a:t>Blankettproduktion – </a:t>
             </a:r>
             <a:r>
-              <a:rPr lang="sv-SE" dirty="0" err="1" smtClean="0"/>
+              <a:rPr lang="sv-SE" dirty="0" err="1"/>
               <a:t>Fälttyper</a:t>
             </a:r>
             <a:endParaRPr lang="sv-SE" dirty="0"/>
@@ -15687,13 +15104,6 @@
   <p:clrMapOvr>
     <a:masterClrMapping/>
   </p:clrMapOvr>
-  <p:timing>
-    <p:tnLst>
-      <p:par>
-        <p:cTn id="1" dur="indefinite" restart="never" nodeType="tmRoot"/>
-      </p:par>
-    </p:tnLst>
-  </p:timing>
 </p:sld>
 </file>
 
@@ -15730,21 +15140,95 @@
           <a:lstStyle/>
           <a:p>
             <a:r>
-              <a:rPr lang="sv-SE" dirty="0" smtClean="0"/>
+              <a:rPr lang="sv-SE" dirty="0"/>
               <a:t>Träd</a:t>
             </a:r>
+          </a:p>
+        </p:txBody>
+      </p:sp>
+      <p:sp>
+        <p:nvSpPr>
+          <p:cNvPr id="7" name="Content Placeholder 6"/>
+          <p:cNvSpPr>
+            <a:spLocks noGrp="1"/>
+          </p:cNvSpPr>
+          <p:nvPr>
+            <p:ph idx="1"/>
+          </p:nvPr>
+        </p:nvSpPr>
+        <p:spPr/>
+        <p:txBody>
+          <a:bodyPr/>
+          <a:lstStyle/>
+          <a:p>
+            <a:r>
+              <a:rPr lang="sv-SE" dirty="0"/>
+              <a:t>Trädet är ett XML som ligger i XAML filen.</a:t>
+            </a:r>
+          </a:p>
+          <a:p>
+            <a:r>
+              <a:rPr lang="sv-SE" dirty="0" err="1"/>
+              <a:t>RootHeaderItem</a:t>
+            </a:r>
+            <a:r>
+              <a:rPr lang="sv-SE" dirty="0"/>
+              <a:t> är huvudrubriken och kan ha två texter, normalt blankettens namn och artikelnummer.</a:t>
+            </a:r>
+          </a:p>
+          <a:p>
+            <a:r>
+              <a:rPr lang="sv-SE" dirty="0" err="1"/>
+              <a:t>HeaderItem</a:t>
+            </a:r>
+            <a:r>
+              <a:rPr lang="sv-SE" dirty="0"/>
+              <a:t> är rubriknoder.</a:t>
+            </a:r>
+          </a:p>
+          <a:p>
+            <a:r>
+              <a:rPr lang="sv-SE" dirty="0"/>
+              <a:t>Item är undernoder.</a:t>
+            </a:r>
+          </a:p>
+          <a:p>
+            <a:r>
+              <a:rPr lang="sv-SE" dirty="0"/>
+              <a:t>Varje element kopplas till ett fälts x:Name.</a:t>
+            </a:r>
+          </a:p>
+          <a:p>
+            <a:r>
+              <a:rPr lang="sv-SE" dirty="0"/>
+              <a:t>Träd kan skapas manuellt </a:t>
+            </a:r>
+            <a:br>
+              <a:rPr lang="sv-SE" dirty="0"/>
+            </a:br>
+            <a:r>
+              <a:rPr lang="sv-SE" dirty="0"/>
+              <a:t>eller med hjälp av XAML-</a:t>
+            </a:r>
+            <a:r>
+              <a:rPr lang="sv-SE" dirty="0" err="1"/>
+              <a:t>Tool</a:t>
+            </a:r>
             <a:endParaRPr lang="sv-SE" dirty="0"/>
           </a:p>
-        </p:txBody>
-      </p:sp>
-      <p:sp>
-        <p:nvSpPr>
-          <p:cNvPr id="7" name="Content Placeholder 6"/>
-          <p:cNvSpPr>
-            <a:spLocks noGrp="1"/>
-          </p:cNvSpPr>
-          <p:nvPr>
-            <p:ph idx="1"/>
+          <a:p>
+            <a:endParaRPr lang="sv-SE" dirty="0"/>
+          </a:p>
+        </p:txBody>
+      </p:sp>
+      <p:sp>
+        <p:nvSpPr>
+          <p:cNvPr id="8" name="Text Placeholder 7"/>
+          <p:cNvSpPr>
+            <a:spLocks noGrp="1"/>
+          </p:cNvSpPr>
+          <p:nvPr>
+            <p:ph type="body" sz="quarter" idx="14"/>
           </p:nvPr>
         </p:nvSpPr>
         <p:spPr/>
@@ -15753,85 +15237,9 @@
           <a:lstStyle/>
           <a:p>
             <a:r>
-              <a:rPr lang="sv-SE" dirty="0" smtClean="0"/>
-              <a:t>Trädet är ett XML som ligger i XAML filen.</a:t>
-            </a:r>
-          </a:p>
-          <a:p>
-            <a:r>
-              <a:rPr lang="sv-SE" dirty="0" err="1" smtClean="0"/>
-              <a:t>RootHeaderItem</a:t>
-            </a:r>
-            <a:r>
-              <a:rPr lang="sv-SE" dirty="0" smtClean="0"/>
-              <a:t> är huvudrubriken och kan ha två texter, normalt blankettens namn och artikelnummer.</a:t>
-            </a:r>
-          </a:p>
-          <a:p>
-            <a:r>
-              <a:rPr lang="sv-SE" dirty="0" err="1" smtClean="0"/>
-              <a:t>HeaderItem</a:t>
-            </a:r>
-            <a:r>
-              <a:rPr lang="sv-SE" dirty="0" smtClean="0"/>
-              <a:t> är rubriknoder.</a:t>
-            </a:r>
-          </a:p>
-          <a:p>
-            <a:r>
-              <a:rPr lang="sv-SE" dirty="0" smtClean="0"/>
-              <a:t>Item är undernoder.</a:t>
-            </a:r>
-          </a:p>
-          <a:p>
-            <a:r>
-              <a:rPr lang="sv-SE" dirty="0" smtClean="0"/>
-              <a:t>Varje element kopplas till ett fälts x:Name.</a:t>
-            </a:r>
-          </a:p>
-          <a:p>
-            <a:r>
-              <a:rPr lang="sv-SE" dirty="0" smtClean="0"/>
-              <a:t>Träd kan skapas manuellt </a:t>
-            </a:r>
-            <a:br>
-              <a:rPr lang="sv-SE" dirty="0" smtClean="0"/>
-            </a:br>
-            <a:r>
-              <a:rPr lang="sv-SE" dirty="0" smtClean="0"/>
-              <a:t>eller med hjälp av XAML-</a:t>
-            </a:r>
-            <a:r>
-              <a:rPr lang="sv-SE" dirty="0" err="1" smtClean="0"/>
-              <a:t>Tool</a:t>
-            </a:r>
-            <a:endParaRPr lang="sv-SE" dirty="0" smtClean="0"/>
-          </a:p>
-          <a:p>
-            <a:endParaRPr lang="sv-SE" dirty="0" smtClean="0"/>
-          </a:p>
-        </p:txBody>
-      </p:sp>
-      <p:sp>
-        <p:nvSpPr>
-          <p:cNvPr id="8" name="Text Placeholder 7"/>
-          <p:cNvSpPr>
-            <a:spLocks noGrp="1"/>
-          </p:cNvSpPr>
-          <p:nvPr>
-            <p:ph type="body" sz="quarter" idx="14"/>
-          </p:nvPr>
-        </p:nvSpPr>
-        <p:spPr/>
-        <p:txBody>
-          <a:bodyPr/>
-          <a:lstStyle/>
-          <a:p>
-            <a:r>
-              <a:rPr lang="sv-SE" dirty="0" smtClean="0"/>
+              <a:rPr lang="sv-SE" dirty="0"/>
               <a:t>Blankettproduktion – Träd</a:t>
             </a:r>
-            <a:endParaRPr lang="sv-SE" dirty="0"/>
           </a:p>
         </p:txBody>
       </p:sp>
@@ -15936,13 +15344,6 @@
   <p:clrMapOvr>
     <a:masterClrMapping/>
   </p:clrMapOvr>
-  <p:timing>
-    <p:tnLst>
-      <p:par>
-        <p:cTn id="1" dur="indefinite" restart="never" nodeType="tmRoot"/>
-      </p:par>
-    </p:tnLst>
-  </p:timing>
 </p:sld>
 </file>
 
@@ -15979,10 +15380,9 @@
           <a:lstStyle/>
           <a:p>
             <a:r>
-              <a:rPr lang="sv-SE" dirty="0" smtClean="0"/>
+              <a:rPr lang="sv-SE" dirty="0"/>
               <a:t>Publicering av blankett</a:t>
             </a:r>
-            <a:endParaRPr lang="sv-SE" dirty="0"/>
           </a:p>
         </p:txBody>
       </p:sp>
@@ -16002,32 +15402,31 @@
           <a:lstStyle/>
           <a:p>
             <a:r>
-              <a:rPr lang="sv-SE" dirty="0" smtClean="0"/>
+              <a:rPr lang="sv-SE" dirty="0"/>
               <a:t>Blanketter publiceras i </a:t>
             </a:r>
             <a:r>
-              <a:rPr lang="sv-SE" dirty="0" err="1" smtClean="0"/>
+              <a:rPr lang="sv-SE" dirty="0" err="1"/>
               <a:t>EyeDoc</a:t>
             </a:r>
             <a:r>
-              <a:rPr lang="sv-SE" dirty="0" smtClean="0"/>
+              <a:rPr lang="sv-SE" dirty="0"/>
               <a:t> </a:t>
             </a:r>
             <a:r>
-              <a:rPr lang="sv-SE" dirty="0" err="1" smtClean="0"/>
+              <a:rPr lang="sv-SE" dirty="0" err="1"/>
               <a:t>Archive</a:t>
             </a:r>
             <a:r>
-              <a:rPr lang="sv-SE" dirty="0" smtClean="0"/>
+              <a:rPr lang="sv-SE" dirty="0"/>
               <a:t>.</a:t>
             </a:r>
           </a:p>
           <a:p>
             <a:r>
-              <a:rPr lang="sv-SE" dirty="0" smtClean="0"/>
+              <a:rPr lang="sv-SE" dirty="0"/>
               <a:t>För detta finns en egen användarmanual.</a:t>
             </a:r>
-            <a:endParaRPr lang="sv-SE" dirty="0"/>
           </a:p>
         </p:txBody>
       </p:sp>
@@ -16084,13 +15483,6 @@
   <p:clrMapOvr>
     <a:masterClrMapping/>
   </p:clrMapOvr>
-  <p:timing>
-    <p:tnLst>
-      <p:par>
-        <p:cTn id="1" dur="indefinite" restart="never" nodeType="tmRoot"/>
-      </p:par>
-    </p:tnLst>
-  </p:timing>
 </p:sld>
 </file>
 
@@ -16121,13 +15513,6 @@
   <p:clrMapOvr>
     <a:masterClrMapping/>
   </p:clrMapOvr>
-  <p:timing>
-    <p:tnLst>
-      <p:par>
-        <p:cTn id="1" dur="indefinite" restart="never" nodeType="tmRoot"/>
-      </p:par>
-    </p:tnLst>
-  </p:timing>
 </p:sld>
 </file>
 
@@ -16207,10 +15592,9 @@
           <a:lstStyle/>
           <a:p>
             <a:r>
-              <a:rPr lang="sv-SE" dirty="0" smtClean="0"/>
+              <a:rPr lang="sv-SE" dirty="0"/>
               <a:t>Produktionsflöde</a:t>
             </a:r>
-            <a:endParaRPr lang="sv-SE" dirty="0"/>
           </a:p>
         </p:txBody>
       </p:sp>
@@ -16233,11 +15617,7 @@
           <a:p>
             <a:r>
               <a:rPr lang="nb-NO" dirty="0"/>
-              <a:t>Ubtildning </a:t>
-            </a:r>
-            <a:r>
-              <a:rPr lang="nb-NO" dirty="0" smtClean="0"/>
-              <a:t>i Blankettproduktion</a:t>
+              <a:t>Ubtildning i Blankettproduktion</a:t>
             </a:r>
             <a:endParaRPr lang="sv-SE" dirty="0"/>
           </a:p>
@@ -16328,7 +15708,7 @@
           <a:graphicData uri="http://schemas.openxmlformats.org/presentationml/2006/ole">
             <mc:AlternateContent xmlns:mc="http://schemas.openxmlformats.org/markup-compatibility/2006">
               <mc:Choice xmlns:v="urn:schemas-microsoft-com:vml" Requires="v">
-                <p:oleObj spid="_x0000_s3222" r:id="rId3" imgW="5803106" imgH="6137434" progId="Visio.Drawing.11">
+                <p:oleObj spid="_x0000_s3223" r:id="rId3" imgW="5803106" imgH="6137434" progId="Visio.Drawing.11">
                   <p:embed/>
                 </p:oleObj>
               </mc:Choice>
@@ -16383,13 +15763,6 @@
   <p:clrMapOvr>
     <a:masterClrMapping/>
   </p:clrMapOvr>
-  <p:timing>
-    <p:tnLst>
-      <p:par>
-        <p:cTn id="1" dur="indefinite" restart="never" nodeType="tmRoot"/>
-      </p:par>
-    </p:tnLst>
-  </p:timing>
 </p:sld>
 </file>
 
@@ -16426,25 +15799,25 @@
           <a:lstStyle/>
           <a:p>
             <a:r>
-              <a:rPr lang="sv-SE" dirty="0" smtClean="0"/>
+              <a:rPr lang="sv-SE" dirty="0"/>
               <a:t>XSD – Schema</a:t>
             </a:r>
           </a:p>
           <a:p>
             <a:r>
-              <a:rPr lang="sv-SE" dirty="0" smtClean="0"/>
+              <a:rPr lang="sv-SE" dirty="0"/>
               <a:t>XML – Data</a:t>
             </a:r>
           </a:p>
           <a:p>
             <a:r>
-              <a:rPr lang="sv-SE" dirty="0" smtClean="0"/>
+              <a:rPr lang="sv-SE" dirty="0"/>
               <a:t>XAML – Layout</a:t>
             </a:r>
           </a:p>
           <a:p>
             <a:r>
-              <a:rPr lang="sv-SE" dirty="0" smtClean="0"/>
+              <a:rPr lang="sv-SE" dirty="0"/>
               <a:t>EBIM – Förifyllnad</a:t>
             </a:r>
           </a:p>
@@ -16466,10 +15839,9 @@
           <a:lstStyle/>
           <a:p>
             <a:r>
-              <a:rPr lang="sv-SE" dirty="0" smtClean="0"/>
+              <a:rPr lang="sv-SE" dirty="0"/>
               <a:t>Blanketternas uppbyggnad</a:t>
             </a:r>
-            <a:endParaRPr lang="sv-SE" dirty="0"/>
           </a:p>
         </p:txBody>
       </p:sp>
@@ -16526,13 +15898,6 @@
   <p:clrMapOvr>
     <a:masterClrMapping/>
   </p:clrMapOvr>
-  <p:timing>
-    <p:tnLst>
-      <p:par>
-        <p:cTn id="1" dur="indefinite" restart="never" nodeType="tmRoot"/>
-      </p:par>
-    </p:tnLst>
-  </p:timing>
 </p:sld>
 </file>
 
@@ -16569,10 +15934,9 @@
           <a:lstStyle/>
           <a:p>
             <a:r>
-              <a:rPr lang="sv-SE" dirty="0" smtClean="0"/>
+              <a:rPr lang="sv-SE" dirty="0"/>
               <a:t>XSD – Schema</a:t>
             </a:r>
-            <a:endParaRPr lang="sv-SE" dirty="0"/>
           </a:p>
         </p:txBody>
       </p:sp>
@@ -16592,22 +15956,21 @@
           <a:lstStyle/>
           <a:p>
             <a:r>
-              <a:rPr lang="sv-SE" dirty="0" smtClean="0"/>
+              <a:rPr lang="sv-SE" dirty="0"/>
               <a:t>I steg 2 ingår enbart en grundläggande inblick i hur XSD-schemat fungerar.</a:t>
             </a:r>
           </a:p>
           <a:p>
             <a:r>
-              <a:rPr lang="sv-SE" dirty="0" smtClean="0"/>
+              <a:rPr lang="sv-SE" dirty="0"/>
               <a:t>XSD-schemat bestämmer formatet på och vad som får finnas i XML-filen.</a:t>
             </a:r>
           </a:p>
           <a:p>
             <a:r>
-              <a:rPr lang="sv-SE" dirty="0" smtClean="0"/>
+              <a:rPr lang="sv-SE" dirty="0"/>
               <a:t>Styr hur informationen från fälten i blanketten sparas i databasen.</a:t>
             </a:r>
-            <a:endParaRPr lang="sv-SE" dirty="0"/>
           </a:p>
         </p:txBody>
       </p:sp>
@@ -16628,15 +15991,7 @@
           <a:p>
             <a:r>
               <a:rPr lang="sv-SE" dirty="0"/>
-              <a:t>Blanketternas </a:t>
-            </a:r>
-            <a:r>
-              <a:rPr lang="sv-SE" dirty="0" smtClean="0"/>
-              <a:t>uppbyggnad – </a:t>
-            </a:r>
-            <a:r>
-              <a:rPr lang="sv-SE" dirty="0"/>
-              <a:t>Datalagring</a:t>
+              <a:t>Blanketternas uppbyggnad – Datalagring</a:t>
             </a:r>
           </a:p>
         </p:txBody>
@@ -16694,13 +16049,6 @@
   <p:clrMapOvr>
     <a:masterClrMapping/>
   </p:clrMapOvr>
-  <p:timing>
-    <p:tnLst>
-      <p:par>
-        <p:cTn id="1" dur="indefinite" restart="never" nodeType="tmRoot"/>
-      </p:par>
-    </p:tnLst>
-  </p:timing>
 </p:sld>
 </file>
 
@@ -16737,10 +16085,9 @@
           <a:lstStyle/>
           <a:p>
             <a:r>
-              <a:rPr lang="sv-SE" dirty="0" smtClean="0"/>
+              <a:rPr lang="sv-SE" dirty="0"/>
               <a:t>XML – Blankettdata</a:t>
             </a:r>
-            <a:endParaRPr lang="sv-SE" dirty="0"/>
           </a:p>
         </p:txBody>
       </p:sp>
@@ -16760,36 +16107,35 @@
           <a:lstStyle/>
           <a:p>
             <a:r>
-              <a:rPr lang="sv-SE" dirty="0" smtClean="0"/>
+              <a:rPr lang="sv-SE" dirty="0"/>
               <a:t>Lagrar det som skrivs i fälten i blanketten.</a:t>
             </a:r>
           </a:p>
           <a:p>
             <a:r>
-              <a:rPr lang="sv-SE" dirty="0" smtClean="0"/>
+              <a:rPr lang="sv-SE" dirty="0"/>
               <a:t>Varje fält i blanketten behöver en egen plats i XML-filen.</a:t>
             </a:r>
           </a:p>
           <a:p>
             <a:r>
-              <a:rPr lang="sv-SE" dirty="0" smtClean="0"/>
+              <a:rPr lang="sv-SE" dirty="0"/>
               <a:t>Är flera fält kopplade till samma värde kommer båda uppdateras när värdet ändras.</a:t>
             </a:r>
           </a:p>
           <a:p>
             <a:r>
-              <a:rPr lang="sv-SE" dirty="0" smtClean="0"/>
+              <a:rPr lang="sv-SE" dirty="0"/>
               <a:t>Vilken plats i XML-filen som ett värde från ett fält i blanketten hamnar styrs av en adressering i XAML-filen, en s.k. </a:t>
             </a:r>
             <a:r>
-              <a:rPr lang="sv-SE" dirty="0" err="1" smtClean="0"/>
+              <a:rPr lang="sv-SE" dirty="0" err="1"/>
               <a:t>xPath</a:t>
             </a:r>
             <a:r>
-              <a:rPr lang="sv-SE" dirty="0" smtClean="0"/>
+              <a:rPr lang="sv-SE" dirty="0"/>
               <a:t>.</a:t>
             </a:r>
-            <a:endParaRPr lang="sv-SE" dirty="0"/>
           </a:p>
         </p:txBody>
       </p:sp>
@@ -16810,13 +16156,8 @@
           <a:p>
             <a:r>
               <a:rPr lang="sv-SE" dirty="0"/>
-              <a:t>Blanketternas </a:t>
-            </a:r>
-            <a:r>
-              <a:rPr lang="sv-SE" dirty="0" smtClean="0"/>
-              <a:t>uppbyggnad – Datalagring</a:t>
-            </a:r>
-            <a:endParaRPr lang="sv-SE" dirty="0"/>
+              <a:t>Blanketternas uppbyggnad – Datalagring</a:t>
+            </a:r>
           </a:p>
         </p:txBody>
       </p:sp>
@@ -16873,13 +16214,6 @@
   <p:clrMapOvr>
     <a:masterClrMapping/>
   </p:clrMapOvr>
-  <p:timing>
-    <p:tnLst>
-      <p:par>
-        <p:cTn id="1" dur="indefinite" restart="never" nodeType="tmRoot"/>
-      </p:par>
-    </p:tnLst>
-  </p:timing>
 </p:sld>
 </file>
 
@@ -16916,10 +16250,9 @@
           <a:lstStyle/>
           <a:p>
             <a:r>
-              <a:rPr lang="sv-SE" dirty="0" smtClean="0"/>
+              <a:rPr lang="sv-SE" dirty="0"/>
               <a:t>XAML - Layout</a:t>
             </a:r>
-            <a:endParaRPr lang="sv-SE" dirty="0"/>
           </a:p>
         </p:txBody>
       </p:sp>
@@ -16939,49 +16272,49 @@
           <a:lstStyle/>
           <a:p>
             <a:r>
-              <a:rPr lang="sv-SE" dirty="0" smtClean="0"/>
+              <a:rPr lang="sv-SE" dirty="0"/>
               <a:t>XAML är det format av layout som används i nyare Windows-program.</a:t>
             </a:r>
           </a:p>
           <a:p>
             <a:r>
-              <a:rPr lang="sv-SE" dirty="0" smtClean="0"/>
+              <a:rPr lang="sv-SE" dirty="0"/>
               <a:t>Kan jämföras med t.ex. HTML för en webbsida.</a:t>
             </a:r>
           </a:p>
           <a:p>
             <a:r>
-              <a:rPr lang="sv-SE" dirty="0" smtClean="0"/>
+              <a:rPr lang="sv-SE" dirty="0"/>
               <a:t>Innehåller all layout i blanketten, inklusive informationssidor.</a:t>
             </a:r>
           </a:p>
           <a:p>
             <a:r>
-              <a:rPr lang="sv-SE" dirty="0" smtClean="0"/>
+              <a:rPr lang="sv-SE" dirty="0"/>
               <a:t>Innehåller alla fält i blanketten.</a:t>
             </a:r>
           </a:p>
           <a:p>
             <a:r>
-              <a:rPr lang="sv-SE" dirty="0" smtClean="0"/>
+              <a:rPr lang="sv-SE" dirty="0"/>
               <a:t>Koppling mellan fält och XML-fil för att lagra värdena i databasen.</a:t>
             </a:r>
           </a:p>
           <a:p>
             <a:r>
-              <a:rPr lang="sv-SE" dirty="0" smtClean="0"/>
+              <a:rPr lang="sv-SE" dirty="0"/>
               <a:t>Stödjer stilformatering, samt viss grafisk logik och animation.</a:t>
             </a:r>
           </a:p>
           <a:p>
             <a:r>
-              <a:rPr lang="sv-SE" dirty="0" smtClean="0"/>
+              <a:rPr lang="sv-SE" dirty="0"/>
               <a:t>Konfiguration av specialfunktioner för t.ex. validering, utskrift, signering, skickning osv.</a:t>
             </a:r>
           </a:p>
           <a:p>
             <a:r>
-              <a:rPr lang="sv-SE" dirty="0" smtClean="0"/>
+              <a:rPr lang="sv-SE" dirty="0"/>
               <a:t>Navigationsträdet för blanketten.</a:t>
             </a:r>
           </a:p>
@@ -17004,13 +16337,8 @@
           <a:p>
             <a:r>
               <a:rPr lang="sv-SE" dirty="0"/>
-              <a:t>Blanketternas </a:t>
-            </a:r>
-            <a:r>
-              <a:rPr lang="sv-SE" dirty="0" smtClean="0"/>
-              <a:t>uppbyggnad – Layout</a:t>
-            </a:r>
-            <a:endParaRPr lang="sv-SE" dirty="0"/>
+              <a:t>Blanketternas uppbyggnad – Layout</a:t>
+            </a:r>
           </a:p>
         </p:txBody>
       </p:sp>
@@ -17067,13 +16395,6 @@
   <p:clrMapOvr>
     <a:masterClrMapping/>
   </p:clrMapOvr>
-  <p:timing>
-    <p:tnLst>
-      <p:par>
-        <p:cTn id="1" dur="indefinite" restart="never" nodeType="tmRoot"/>
-      </p:par>
-    </p:tnLst>
-  </p:timing>
 </p:sld>
 </file>
 
@@ -17110,10 +16431,9 @@
           <a:lstStyle/>
           <a:p>
             <a:r>
-              <a:rPr lang="sv-SE" dirty="0" smtClean="0"/>
+              <a:rPr lang="sv-SE" dirty="0"/>
               <a:t>EBIM – Förifyllnad</a:t>
             </a:r>
-            <a:endParaRPr lang="sv-SE" dirty="0"/>
           </a:p>
         </p:txBody>
       </p:sp>
@@ -17133,46 +16453,29 @@
           <a:lstStyle/>
           <a:p>
             <a:r>
-              <a:rPr lang="sv-SE" dirty="0" smtClean="0"/>
+              <a:rPr lang="sv-SE" dirty="0"/>
               <a:t>Styr vilka värden från t.ex. Journalsystemet som ska </a:t>
             </a:r>
             <a:r>
-              <a:rPr lang="sv-SE" dirty="0" err="1" smtClean="0"/>
+              <a:rPr lang="sv-SE" dirty="0" err="1"/>
               <a:t>förifyllas</a:t>
             </a:r>
             <a:r>
-              <a:rPr lang="sv-SE" dirty="0" smtClean="0"/>
+              <a:rPr lang="sv-SE" dirty="0"/>
               <a:t> i vilket fält.</a:t>
             </a:r>
           </a:p>
           <a:p>
             <a:r>
-              <a:rPr lang="sv-SE" dirty="0" smtClean="0"/>
-              <a:t>Är en </a:t>
-            </a:r>
-            <a:r>
-              <a:rPr lang="sv-SE" dirty="0" smtClean="0"/>
-              <a:t>av de </a:t>
-            </a:r>
-            <a:r>
-              <a:rPr lang="sv-SE" dirty="0" smtClean="0"/>
-              <a:t>valfria tilläggsfilerna som kan användas för en blankett.</a:t>
-            </a:r>
-          </a:p>
-          <a:p>
-            <a:r>
-              <a:rPr lang="sv-SE" dirty="0" smtClean="0"/>
-              <a:t>Är en </a:t>
-            </a:r>
-            <a:r>
-              <a:rPr lang="sv-SE" dirty="0" smtClean="0"/>
-              <a:t>XML-fil</a:t>
-            </a:r>
-            <a:r>
-              <a:rPr lang="sv-SE" dirty="0" smtClean="0"/>
-              <a:t>.</a:t>
-            </a:r>
-            <a:endParaRPr lang="sv-SE" dirty="0"/>
+              <a:rPr lang="sv-SE" dirty="0"/>
+              <a:t>Är en av de valfria tilläggsfilerna som kan användas för en blankett.</a:t>
+            </a:r>
+          </a:p>
+          <a:p>
+            <a:r>
+              <a:rPr lang="sv-SE" dirty="0"/>
+              <a:t>Är en XML-fil.</a:t>
+            </a:r>
           </a:p>
         </p:txBody>
       </p:sp>
@@ -17193,13 +16496,8 @@
           <a:p>
             <a:r>
               <a:rPr lang="sv-SE" dirty="0"/>
-              <a:t>Blanketternas </a:t>
-            </a:r>
-            <a:r>
-              <a:rPr lang="sv-SE" dirty="0" smtClean="0"/>
-              <a:t>uppbyggnad – Förifyllnad</a:t>
-            </a:r>
-            <a:endParaRPr lang="sv-SE" dirty="0"/>
+              <a:t>Blanketternas uppbyggnad – Förifyllnad</a:t>
+            </a:r>
           </a:p>
         </p:txBody>
       </p:sp>
@@ -17256,13 +16554,6 @@
   <p:clrMapOvr>
     <a:masterClrMapping/>
   </p:clrMapOvr>
-  <p:timing>
-    <p:tnLst>
-      <p:par>
-        <p:cTn id="1" dur="indefinite" restart="never" nodeType="tmRoot"/>
-      </p:par>
-    </p:tnLst>
-  </p:timing>
 </p:sld>
 </file>
 
@@ -18887,33 +18178,6 @@
 </file>
 
 <file path=customXml/item1.xml><?xml version="1.0" encoding="utf-8"?>
-<p:properties xmlns:p="http://schemas.microsoft.com/office/2006/metadata/properties" xmlns:xsi="http://www.w3.org/2001/XMLSchema-instance" xmlns:pc="http://schemas.microsoft.com/office/infopath/2007/PartnerControls">
-  <documentManagement>
-    <TaxCatchAll xmlns="84de323e-8f65-4534-a383-76d636feda07">
-      <Value>854</Value>
-      <Value>33</Value>
-    </TaxCatchAll>
-    <HiddenStaffServicesTAX xmlns="http://schemas.microsoft.com/sharepoint/v3">
-      <Terms xmlns="http://schemas.microsoft.com/office/infopath/2007/PartnerControls">
-        <TermInfo xmlns="http://schemas.microsoft.com/office/infopath/2007/PartnerControls">
-          <TermName xmlns="http://schemas.microsoft.com/office/infopath/2007/PartnerControls">Mallar</TermName>
-          <TermId xmlns="http://schemas.microsoft.com/office/infopath/2007/PartnerControls">cba857ae-e060-4851-b50b-3b1c5fb8f36a</TermId>
-        </TermInfo>
-      </Terms>
-    </HiddenStaffServicesTAX>
-    <HiddenCountries xmlns="http://schemas.microsoft.com/sharepoint/v3">
-      <Terms xmlns="http://schemas.microsoft.com/office/infopath/2007/PartnerControls">
-        <TermInfo xmlns="http://schemas.microsoft.com/office/infopath/2007/PartnerControls">
-          <TermName xmlns="http://schemas.microsoft.com/office/infopath/2007/PartnerControls">Sweden</TermName>
-          <TermId xmlns="http://schemas.microsoft.com/office/infopath/2007/PartnerControls">70e5954d-4a7e-4eb0-8c69-198cb8498018</TermId>
-        </TermInfo>
-      </Terms>
-    </HiddenCountries>
-  </documentManagement>
-</p:properties>
-</file>
-
-<file path=customXml/item2.xml><?xml version="1.0" encoding="utf-8"?>
 <ct:contentTypeSchema xmlns:ct="http://schemas.microsoft.com/office/2006/metadata/contentType" xmlns:ma="http://schemas.microsoft.com/office/2006/metadata/properties/metaAttributes" ct:_="" ma:_="" ma:contentTypeName="Employee Services Documents" ma:contentTypeID="0x0101005DC3822FF5274FCC8145085AF3BF901E0014E735F70C65B84C8FA4B0A1CC3B957B" ma:contentTypeVersion="1" ma:contentTypeDescription="Employee Services Documents Content Type" ma:contentTypeScope="" ma:versionID="a74081bc8e41a5f35c09d90a59604084">
   <xsd:schema xmlns:xsd="http://www.w3.org/2001/XMLSchema" xmlns:xs="http://www.w3.org/2001/XMLSchema" xmlns:p="http://schemas.microsoft.com/office/2006/metadata/properties" xmlns:ns1="http://schemas.microsoft.com/sharepoint/v3" xmlns:ns3="84de323e-8f65-4534-a383-76d636feda07" targetNamespace="http://schemas.microsoft.com/office/2006/metadata/properties" ma:root="true" ma:fieldsID="93618db5f8a4acf08f9ead28cd6c9306" ns1:_="" ns3:_="">
     <xsd:import namespace="http://schemas.microsoft.com/sharepoint/v3"/>
@@ -19066,6 +18330,33 @@
 </ct:contentTypeSchema>
 </file>
 
+<file path=customXml/item2.xml><?xml version="1.0" encoding="utf-8"?>
+<p:properties xmlns:p="http://schemas.microsoft.com/office/2006/metadata/properties" xmlns:xsi="http://www.w3.org/2001/XMLSchema-instance" xmlns:pc="http://schemas.microsoft.com/office/infopath/2007/PartnerControls">
+  <documentManagement>
+    <TaxCatchAll xmlns="84de323e-8f65-4534-a383-76d636feda07">
+      <Value>854</Value>
+      <Value>33</Value>
+    </TaxCatchAll>
+    <HiddenStaffServicesTAX xmlns="http://schemas.microsoft.com/sharepoint/v3">
+      <Terms xmlns="http://schemas.microsoft.com/office/infopath/2007/PartnerControls">
+        <TermInfo xmlns="http://schemas.microsoft.com/office/infopath/2007/PartnerControls">
+          <TermName xmlns="http://schemas.microsoft.com/office/infopath/2007/PartnerControls">Mallar</TermName>
+          <TermId xmlns="http://schemas.microsoft.com/office/infopath/2007/PartnerControls">cba857ae-e060-4851-b50b-3b1c5fb8f36a</TermId>
+        </TermInfo>
+      </Terms>
+    </HiddenStaffServicesTAX>
+    <HiddenCountries xmlns="http://schemas.microsoft.com/sharepoint/v3">
+      <Terms xmlns="http://schemas.microsoft.com/office/infopath/2007/PartnerControls">
+        <TermInfo xmlns="http://schemas.microsoft.com/office/infopath/2007/PartnerControls">
+          <TermName xmlns="http://schemas.microsoft.com/office/infopath/2007/PartnerControls">Sweden</TermName>
+          <TermId xmlns="http://schemas.microsoft.com/office/infopath/2007/PartnerControls">70e5954d-4a7e-4eb0-8c69-198cb8498018</TermId>
+        </TermInfo>
+      </Terms>
+    </HiddenCountries>
+  </documentManagement>
+</p:properties>
+</file>
+
 <file path=customXml/item3.xml><?xml version="1.0" encoding="utf-8"?>
 <?mso-contentType ?>
 <FormTemplates xmlns="http://schemas.microsoft.com/sharepoint/v3/contenttype/forms">
@@ -19076,23 +18367,6 @@
 </file>
 
 <file path=customXml/itemProps1.xml><?xml version="1.0" encoding="utf-8"?>
-<ds:datastoreItem xmlns:ds="http://schemas.openxmlformats.org/officeDocument/2006/customXml" ds:itemID="{FF4042AA-5D9F-40F7-B6F3-B648C6C93AF3}">
-  <ds:schemaRefs>
-    <ds:schemaRef ds:uri="http://schemas.microsoft.com/office/2006/documentManagement/types"/>
-    <ds:schemaRef ds:uri="http://purl.org/dc/terms/"/>
-    <ds:schemaRef ds:uri="http://www.w3.org/XML/1998/namespace"/>
-    <ds:schemaRef ds:uri="http://purl.org/dc/elements/1.1/"/>
-    <ds:schemaRef ds:uri="84de323e-8f65-4534-a383-76d636feda07"/>
-    <ds:schemaRef ds:uri="http://schemas.microsoft.com/sharepoint/v3"/>
-    <ds:schemaRef ds:uri="http://purl.org/dc/dcmitype/"/>
-    <ds:schemaRef ds:uri="http://schemas.openxmlformats.org/package/2006/metadata/core-properties"/>
-    <ds:schemaRef ds:uri="http://schemas.microsoft.com/office/infopath/2007/PartnerControls"/>
-    <ds:schemaRef ds:uri="http://schemas.microsoft.com/office/2006/metadata/properties"/>
-  </ds:schemaRefs>
-</ds:datastoreItem>
-</file>
-
-<file path=customXml/itemProps2.xml><?xml version="1.0" encoding="utf-8"?>
 <ds:datastoreItem xmlns:ds="http://schemas.openxmlformats.org/officeDocument/2006/customXml" ds:itemID="{9CB8D20B-49CB-468A-949D-9E901A958368}">
   <ds:schemaRefs>
     <ds:schemaRef ds:uri="http://schemas.microsoft.com/office/2006/metadata/contentType"/>
@@ -19111,6 +18385,23 @@
 </ds:datastoreItem>
 </file>
 
+<file path=customXml/itemProps2.xml><?xml version="1.0" encoding="utf-8"?>
+<ds:datastoreItem xmlns:ds="http://schemas.openxmlformats.org/officeDocument/2006/customXml" ds:itemID="{FF4042AA-5D9F-40F7-B6F3-B648C6C93AF3}">
+  <ds:schemaRefs>
+    <ds:schemaRef ds:uri="http://schemas.microsoft.com/office/2006/documentManagement/types"/>
+    <ds:schemaRef ds:uri="http://purl.org/dc/terms/"/>
+    <ds:schemaRef ds:uri="http://www.w3.org/XML/1998/namespace"/>
+    <ds:schemaRef ds:uri="http://purl.org/dc/elements/1.1/"/>
+    <ds:schemaRef ds:uri="84de323e-8f65-4534-a383-76d636feda07"/>
+    <ds:schemaRef ds:uri="http://schemas.microsoft.com/sharepoint/v3"/>
+    <ds:schemaRef ds:uri="http://purl.org/dc/dcmitype/"/>
+    <ds:schemaRef ds:uri="http://schemas.openxmlformats.org/package/2006/metadata/core-properties"/>
+    <ds:schemaRef ds:uri="http://schemas.microsoft.com/office/infopath/2007/PartnerControls"/>
+    <ds:schemaRef ds:uri="http://schemas.microsoft.com/office/2006/metadata/properties"/>
+  </ds:schemaRefs>
+</ds:datastoreItem>
+</file>
+
 <file path=customXml/itemProps3.xml><?xml version="1.0" encoding="utf-8"?>
 <ds:datastoreItem xmlns:ds="http://schemas.openxmlformats.org/officeDocument/2006/customXml" ds:itemID="{E06C84AE-5CC4-447F-935E-43DC24BDC198}">
   <ds:schemaRefs>
